--- a/manuscript/Figures/Material_Provided_to_IMN_OMSZ.pptx
+++ b/manuscript/Figures/Material_Provided_to_IMN_OMSZ.pptx
@@ -2,18 +2,18 @@
 <file path=ppt/presentation.xml><?xml version="1.0" encoding="utf-8"?>
 <p:presentation xmlns:a="http://schemas.openxmlformats.org/drawingml/2006/main" xmlns:r="http://schemas.openxmlformats.org/officeDocument/2006/relationships" xmlns:p="http://schemas.openxmlformats.org/presentationml/2006/main" saveSubsetFonts="1">
   <p:sldMasterIdLst>
-    <p:sldMasterId id="2147483648" r:id="rId1"/>
+    <p:sldMasterId id="2147483672" r:id="rId1"/>
   </p:sldMasterIdLst>
   <p:sldIdLst>
     <p:sldId id="257" r:id="rId2"/>
   </p:sldIdLst>
-  <p:sldSz cx="12192000" cy="6858000"/>
+  <p:sldSz cx="8135938" cy="4824413"/>
   <p:notesSz cx="6858000" cy="9144000"/>
   <p:defaultTextStyle>
     <a:defPPr>
       <a:defRPr lang="en-US"/>
     </a:defPPr>
-    <a:lvl1pPr marL="0" algn="l" defTabSz="914400" rtl="0" eaLnBrk="1" latinLnBrk="0" hangingPunct="1">
+    <a:lvl1pPr marL="0" algn="l" defTabSz="457200" rtl="0" eaLnBrk="1" latinLnBrk="0" hangingPunct="1">
       <a:defRPr sz="1800" kern="1200">
         <a:solidFill>
           <a:schemeClr val="tx1"/>
@@ -23,7 +23,7 @@
         <a:cs typeface="+mn-cs"/>
       </a:defRPr>
     </a:lvl1pPr>
-    <a:lvl2pPr marL="457200" algn="l" defTabSz="914400" rtl="0" eaLnBrk="1" latinLnBrk="0" hangingPunct="1">
+    <a:lvl2pPr marL="457200" algn="l" defTabSz="457200" rtl="0" eaLnBrk="1" latinLnBrk="0" hangingPunct="1">
       <a:defRPr sz="1800" kern="1200">
         <a:solidFill>
           <a:schemeClr val="tx1"/>
@@ -33,7 +33,7 @@
         <a:cs typeface="+mn-cs"/>
       </a:defRPr>
     </a:lvl2pPr>
-    <a:lvl3pPr marL="914400" algn="l" defTabSz="914400" rtl="0" eaLnBrk="1" latinLnBrk="0" hangingPunct="1">
+    <a:lvl3pPr marL="914400" algn="l" defTabSz="457200" rtl="0" eaLnBrk="1" latinLnBrk="0" hangingPunct="1">
       <a:defRPr sz="1800" kern="1200">
         <a:solidFill>
           <a:schemeClr val="tx1"/>
@@ -43,7 +43,7 @@
         <a:cs typeface="+mn-cs"/>
       </a:defRPr>
     </a:lvl3pPr>
-    <a:lvl4pPr marL="1371600" algn="l" defTabSz="914400" rtl="0" eaLnBrk="1" latinLnBrk="0" hangingPunct="1">
+    <a:lvl4pPr marL="1371600" algn="l" defTabSz="457200" rtl="0" eaLnBrk="1" latinLnBrk="0" hangingPunct="1">
       <a:defRPr sz="1800" kern="1200">
         <a:solidFill>
           <a:schemeClr val="tx1"/>
@@ -53,7 +53,7 @@
         <a:cs typeface="+mn-cs"/>
       </a:defRPr>
     </a:lvl4pPr>
-    <a:lvl5pPr marL="1828800" algn="l" defTabSz="914400" rtl="0" eaLnBrk="1" latinLnBrk="0" hangingPunct="1">
+    <a:lvl5pPr marL="1828800" algn="l" defTabSz="457200" rtl="0" eaLnBrk="1" latinLnBrk="0" hangingPunct="1">
       <a:defRPr sz="1800" kern="1200">
         <a:solidFill>
           <a:schemeClr val="tx1"/>
@@ -63,7 +63,7 @@
         <a:cs typeface="+mn-cs"/>
       </a:defRPr>
     </a:lvl5pPr>
-    <a:lvl6pPr marL="2286000" algn="l" defTabSz="914400" rtl="0" eaLnBrk="1" latinLnBrk="0" hangingPunct="1">
+    <a:lvl6pPr marL="2286000" algn="l" defTabSz="457200" rtl="0" eaLnBrk="1" latinLnBrk="0" hangingPunct="1">
       <a:defRPr sz="1800" kern="1200">
         <a:solidFill>
           <a:schemeClr val="tx1"/>
@@ -73,7 +73,7 @@
         <a:cs typeface="+mn-cs"/>
       </a:defRPr>
     </a:lvl6pPr>
-    <a:lvl7pPr marL="2743200" algn="l" defTabSz="914400" rtl="0" eaLnBrk="1" latinLnBrk="0" hangingPunct="1">
+    <a:lvl7pPr marL="2743200" algn="l" defTabSz="457200" rtl="0" eaLnBrk="1" latinLnBrk="0" hangingPunct="1">
       <a:defRPr sz="1800" kern="1200">
         <a:solidFill>
           <a:schemeClr val="tx1"/>
@@ -83,7 +83,7 @@
         <a:cs typeface="+mn-cs"/>
       </a:defRPr>
     </a:lvl7pPr>
-    <a:lvl8pPr marL="3200400" algn="l" defTabSz="914400" rtl="0" eaLnBrk="1" latinLnBrk="0" hangingPunct="1">
+    <a:lvl8pPr marL="3200400" algn="l" defTabSz="457200" rtl="0" eaLnBrk="1" latinLnBrk="0" hangingPunct="1">
       <a:defRPr sz="1800" kern="1200">
         <a:solidFill>
           <a:schemeClr val="tx1"/>
@@ -93,7 +93,7 @@
         <a:cs typeface="+mn-cs"/>
       </a:defRPr>
     </a:lvl8pPr>
-    <a:lvl9pPr marL="3657600" algn="l" defTabSz="914400" rtl="0" eaLnBrk="1" latinLnBrk="0" hangingPunct="1">
+    <a:lvl9pPr marL="3657600" algn="l" defTabSz="457200" rtl="0" eaLnBrk="1" latinLnBrk="0" hangingPunct="1">
       <a:defRPr sz="1800" kern="1200">
         <a:solidFill>
           <a:schemeClr val="tx1"/>
@@ -107,12 +107,12 @@
   <p:extLst>
     <p:ext uri="{EFAFB233-063F-42B5-8137-9DF3F51BA10A}">
       <p15:sldGuideLst xmlns:p15="http://schemas.microsoft.com/office/powerpoint/2012/main">
-        <p15:guide id="1" orient="horz" pos="2160" userDrawn="1">
+        <p15:guide id="1" orient="horz" pos="1520" userDrawn="1">
           <p15:clr>
             <a:srgbClr val="A4A3A4"/>
           </p15:clr>
         </p15:guide>
-        <p15:guide id="2" pos="3840" userDrawn="1">
+        <p15:guide id="2" pos="2563" userDrawn="1">
           <p15:clr>
             <a:srgbClr val="A4A3A4"/>
           </p15:clr>
@@ -126,8 +126,7 @@
 <file path=ppt/revisionInfo.xml><?xml version="1.0" encoding="utf-8"?>
 <p1510:revInfo xmlns:a="http://schemas.openxmlformats.org/drawingml/2006/main" xmlns:r="http://schemas.openxmlformats.org/officeDocument/2006/relationships" xmlns:p1510="http://schemas.microsoft.com/office/powerpoint/2015/10/main">
   <p1510:revLst>
-    <p1510:client id="{5DD8997C-2280-41D3-92E5-ED4A17A8DBDF}" v="27" dt="2020-11-11T20:23:28.963"/>
-    <p1510:client id="{92321B91-2D19-4E15-9625-6B6388D49548}" v="7" dt="2020-11-11T16:11:41.270"/>
+    <p1510:client id="{B26A76B7-99FE-49DB-AA61-29E0DD96B9EC}" v="10" dt="2020-11-27T06:13:32.451"/>
   </p1510:revLst>
 </p1510:revInfo>
 </file>
@@ -358,6 +357,398 @@
       </pc:sldChg>
     </pc:docChg>
   </pc:docChgLst>
+  <pc:docChgLst>
+    <pc:chgData name="Fatima Pillosu" userId="a6295d4dc9e22643" providerId="LiveId" clId="{B26A76B7-99FE-49DB-AA61-29E0DD96B9EC}"/>
+    <pc:docChg chg="modSld">
+      <pc:chgData name="Fatima Pillosu" userId="a6295d4dc9e22643" providerId="LiveId" clId="{B26A76B7-99FE-49DB-AA61-29E0DD96B9EC}" dt="2020-11-27T06:13:32.450" v="7"/>
+      <pc:docMkLst>
+        <pc:docMk/>
+      </pc:docMkLst>
+      <pc:sldChg chg="addSp delSp modSp">
+        <pc:chgData name="Fatima Pillosu" userId="a6295d4dc9e22643" providerId="LiveId" clId="{B26A76B7-99FE-49DB-AA61-29E0DD96B9EC}" dt="2020-11-27T06:13:32.450" v="7"/>
+        <pc:sldMkLst>
+          <pc:docMk/>
+          <pc:sldMk cId="3377678262" sldId="257"/>
+        </pc:sldMkLst>
+        <pc:spChg chg="del">
+          <ac:chgData name="Fatima Pillosu" userId="a6295d4dc9e22643" providerId="LiveId" clId="{B26A76B7-99FE-49DB-AA61-29E0DD96B9EC}" dt="2020-11-27T06:12:08.441" v="3"/>
+          <ac:spMkLst>
+            <pc:docMk/>
+            <pc:sldMk cId="3377678262" sldId="257"/>
+            <ac:spMk id="19" creationId="{BC119F6C-8741-48BD-9A1C-FAB31C488C9A}"/>
+          </ac:spMkLst>
+        </pc:spChg>
+        <pc:spChg chg="del">
+          <ac:chgData name="Fatima Pillosu" userId="a6295d4dc9e22643" providerId="LiveId" clId="{B26A76B7-99FE-49DB-AA61-29E0DD96B9EC}" dt="2020-11-27T06:12:08.441" v="3"/>
+          <ac:spMkLst>
+            <pc:docMk/>
+            <pc:sldMk cId="3377678262" sldId="257"/>
+            <ac:spMk id="20" creationId="{8FA59D20-F21A-4475-B1E5-53AB768CBD00}"/>
+          </ac:spMkLst>
+        </pc:spChg>
+        <pc:spChg chg="del">
+          <ac:chgData name="Fatima Pillosu" userId="a6295d4dc9e22643" providerId="LiveId" clId="{B26A76B7-99FE-49DB-AA61-29E0DD96B9EC}" dt="2020-11-27T06:12:08.441" v="3"/>
+          <ac:spMkLst>
+            <pc:docMk/>
+            <pc:sldMk cId="3377678262" sldId="257"/>
+            <ac:spMk id="21" creationId="{D4C37838-4DDE-4EF2-B3BD-F1AABD2BD275}"/>
+          </ac:spMkLst>
+        </pc:spChg>
+        <pc:spChg chg="del">
+          <ac:chgData name="Fatima Pillosu" userId="a6295d4dc9e22643" providerId="LiveId" clId="{B26A76B7-99FE-49DB-AA61-29E0DD96B9EC}" dt="2020-11-27T06:12:08.441" v="3"/>
+          <ac:spMkLst>
+            <pc:docMk/>
+            <pc:sldMk cId="3377678262" sldId="257"/>
+            <ac:spMk id="22" creationId="{74243601-39B8-475D-9FDE-B2C00E1C11DD}"/>
+          </ac:spMkLst>
+        </pc:spChg>
+        <pc:spChg chg="add del">
+          <ac:chgData name="Fatima Pillosu" userId="a6295d4dc9e22643" providerId="LiveId" clId="{B26A76B7-99FE-49DB-AA61-29E0DD96B9EC}" dt="2020-11-27T06:13:19.342" v="6"/>
+          <ac:spMkLst>
+            <pc:docMk/>
+            <pc:sldMk cId="3377678262" sldId="257"/>
+            <ac:spMk id="34" creationId="{C57A65C7-BFED-45C7-86DA-929C7AE6FBCD}"/>
+          </ac:spMkLst>
+        </pc:spChg>
+        <pc:spChg chg="add del">
+          <ac:chgData name="Fatima Pillosu" userId="a6295d4dc9e22643" providerId="LiveId" clId="{B26A76B7-99FE-49DB-AA61-29E0DD96B9EC}" dt="2020-11-27T06:13:19.342" v="6"/>
+          <ac:spMkLst>
+            <pc:docMk/>
+            <pc:sldMk cId="3377678262" sldId="257"/>
+            <ac:spMk id="35" creationId="{309B5CD0-4646-4E2E-99AC-B9D9EA05B918}"/>
+          </ac:spMkLst>
+        </pc:spChg>
+        <pc:spChg chg="add del">
+          <ac:chgData name="Fatima Pillosu" userId="a6295d4dc9e22643" providerId="LiveId" clId="{B26A76B7-99FE-49DB-AA61-29E0DD96B9EC}" dt="2020-11-27T06:13:19.342" v="6"/>
+          <ac:spMkLst>
+            <pc:docMk/>
+            <pc:sldMk cId="3377678262" sldId="257"/>
+            <ac:spMk id="36" creationId="{E0F26E71-5FE8-4C79-8FBF-E518B2DC76EE}"/>
+          </ac:spMkLst>
+        </pc:spChg>
+        <pc:spChg chg="add del">
+          <ac:chgData name="Fatima Pillosu" userId="a6295d4dc9e22643" providerId="LiveId" clId="{B26A76B7-99FE-49DB-AA61-29E0DD96B9EC}" dt="2020-11-27T06:13:19.342" v="6"/>
+          <ac:spMkLst>
+            <pc:docMk/>
+            <pc:sldMk cId="3377678262" sldId="257"/>
+            <ac:spMk id="37" creationId="{3431927C-0C70-4EBC-B760-0665EA948377}"/>
+          </ac:spMkLst>
+        </pc:spChg>
+        <pc:spChg chg="add">
+          <ac:chgData name="Fatima Pillosu" userId="a6295d4dc9e22643" providerId="LiveId" clId="{B26A76B7-99FE-49DB-AA61-29E0DD96B9EC}" dt="2020-11-27T06:13:32.450" v="7"/>
+          <ac:spMkLst>
+            <pc:docMk/>
+            <pc:sldMk cId="3377678262" sldId="257"/>
+            <ac:spMk id="49" creationId="{A841EC61-0391-4627-87F3-1D9A8D11F5EC}"/>
+          </ac:spMkLst>
+        </pc:spChg>
+        <pc:spChg chg="add">
+          <ac:chgData name="Fatima Pillosu" userId="a6295d4dc9e22643" providerId="LiveId" clId="{B26A76B7-99FE-49DB-AA61-29E0DD96B9EC}" dt="2020-11-27T06:13:32.450" v="7"/>
+          <ac:spMkLst>
+            <pc:docMk/>
+            <pc:sldMk cId="3377678262" sldId="257"/>
+            <ac:spMk id="50" creationId="{614BA790-8893-4062-9AA4-9D6DE8727404}"/>
+          </ac:spMkLst>
+        </pc:spChg>
+        <pc:spChg chg="add">
+          <ac:chgData name="Fatima Pillosu" userId="a6295d4dc9e22643" providerId="LiveId" clId="{B26A76B7-99FE-49DB-AA61-29E0DD96B9EC}" dt="2020-11-27T06:13:32.450" v="7"/>
+          <ac:spMkLst>
+            <pc:docMk/>
+            <pc:sldMk cId="3377678262" sldId="257"/>
+            <ac:spMk id="51" creationId="{F0FF1289-3998-4B8E-ADAA-DF337675B120}"/>
+          </ac:spMkLst>
+        </pc:spChg>
+        <pc:spChg chg="add">
+          <ac:chgData name="Fatima Pillosu" userId="a6295d4dc9e22643" providerId="LiveId" clId="{B26A76B7-99FE-49DB-AA61-29E0DD96B9EC}" dt="2020-11-27T06:13:32.450" v="7"/>
+          <ac:spMkLst>
+            <pc:docMk/>
+            <pc:sldMk cId="3377678262" sldId="257"/>
+            <ac:spMk id="52" creationId="{61209CCB-DEB2-48BA-AF10-2CC17D77DFFC}"/>
+          </ac:spMkLst>
+        </pc:spChg>
+        <pc:graphicFrameChg chg="del mod">
+          <ac:chgData name="Fatima Pillosu" userId="a6295d4dc9e22643" providerId="LiveId" clId="{B26A76B7-99FE-49DB-AA61-29E0DD96B9EC}" dt="2020-11-27T06:12:08.441" v="3"/>
+          <ac:graphicFrameMkLst>
+            <pc:docMk/>
+            <pc:sldMk cId="3377678262" sldId="257"/>
+            <ac:graphicFrameMk id="5" creationId="{FD96A370-2BE6-4BB6-B5F7-D956ABDCBFDA}"/>
+          </ac:graphicFrameMkLst>
+        </pc:graphicFrameChg>
+        <pc:graphicFrameChg chg="add del">
+          <ac:chgData name="Fatima Pillosu" userId="a6295d4dc9e22643" providerId="LiveId" clId="{B26A76B7-99FE-49DB-AA61-29E0DD96B9EC}" dt="2020-11-27T06:13:19.342" v="6"/>
+          <ac:graphicFrameMkLst>
+            <pc:docMk/>
+            <pc:sldMk cId="3377678262" sldId="257"/>
+            <ac:graphicFrameMk id="23" creationId="{A8D1F4E7-6529-4D98-9521-6E77E92F4501}"/>
+          </ac:graphicFrameMkLst>
+        </pc:graphicFrameChg>
+        <pc:graphicFrameChg chg="add">
+          <ac:chgData name="Fatima Pillosu" userId="a6295d4dc9e22643" providerId="LiveId" clId="{B26A76B7-99FE-49DB-AA61-29E0DD96B9EC}" dt="2020-11-27T06:13:32.450" v="7"/>
+          <ac:graphicFrameMkLst>
+            <pc:docMk/>
+            <pc:sldMk cId="3377678262" sldId="257"/>
+            <ac:graphicFrameMk id="38" creationId="{0F63A60B-C5C8-41D6-B539-A1ED4814B1A7}"/>
+          </ac:graphicFrameMkLst>
+        </pc:graphicFrameChg>
+        <pc:picChg chg="del">
+          <ac:chgData name="Fatima Pillosu" userId="a6295d4dc9e22643" providerId="LiveId" clId="{B26A76B7-99FE-49DB-AA61-29E0DD96B9EC}" dt="2020-11-27T06:12:08.441" v="3"/>
+          <ac:picMkLst>
+            <pc:docMk/>
+            <pc:sldMk cId="3377678262" sldId="257"/>
+            <ac:picMk id="8" creationId="{E25AD980-8D02-4040-9BC2-D461780A31B2}"/>
+          </ac:picMkLst>
+        </pc:picChg>
+        <pc:picChg chg="del">
+          <ac:chgData name="Fatima Pillosu" userId="a6295d4dc9e22643" providerId="LiveId" clId="{B26A76B7-99FE-49DB-AA61-29E0DD96B9EC}" dt="2020-11-27T06:12:08.441" v="3"/>
+          <ac:picMkLst>
+            <pc:docMk/>
+            <pc:sldMk cId="3377678262" sldId="257"/>
+            <ac:picMk id="9" creationId="{D6707C38-AD97-435F-9A8F-424435D178BD}"/>
+          </ac:picMkLst>
+        </pc:picChg>
+        <pc:picChg chg="del">
+          <ac:chgData name="Fatima Pillosu" userId="a6295d4dc9e22643" providerId="LiveId" clId="{B26A76B7-99FE-49DB-AA61-29E0DD96B9EC}" dt="2020-11-27T06:12:08.441" v="3"/>
+          <ac:picMkLst>
+            <pc:docMk/>
+            <pc:sldMk cId="3377678262" sldId="257"/>
+            <ac:picMk id="10" creationId="{6B4B75AE-41D3-4708-93AC-4D2853745E7F}"/>
+          </ac:picMkLst>
+        </pc:picChg>
+        <pc:picChg chg="del">
+          <ac:chgData name="Fatima Pillosu" userId="a6295d4dc9e22643" providerId="LiveId" clId="{B26A76B7-99FE-49DB-AA61-29E0DD96B9EC}" dt="2020-11-27T06:12:08.441" v="3"/>
+          <ac:picMkLst>
+            <pc:docMk/>
+            <pc:sldMk cId="3377678262" sldId="257"/>
+            <ac:picMk id="11" creationId="{998C7B95-B48A-4947-BF87-609FBF62AC30}"/>
+          </ac:picMkLst>
+        </pc:picChg>
+        <pc:picChg chg="del">
+          <ac:chgData name="Fatima Pillosu" userId="a6295d4dc9e22643" providerId="LiveId" clId="{B26A76B7-99FE-49DB-AA61-29E0DD96B9EC}" dt="2020-11-27T06:12:08.441" v="3"/>
+          <ac:picMkLst>
+            <pc:docMk/>
+            <pc:sldMk cId="3377678262" sldId="257"/>
+            <ac:picMk id="12" creationId="{50A1501A-0C1E-4193-8B87-BD68AECC593F}"/>
+          </ac:picMkLst>
+        </pc:picChg>
+        <pc:picChg chg="del">
+          <ac:chgData name="Fatima Pillosu" userId="a6295d4dc9e22643" providerId="LiveId" clId="{B26A76B7-99FE-49DB-AA61-29E0DD96B9EC}" dt="2020-11-27T06:12:08.441" v="3"/>
+          <ac:picMkLst>
+            <pc:docMk/>
+            <pc:sldMk cId="3377678262" sldId="257"/>
+            <ac:picMk id="13" creationId="{9CC0C39D-3828-4335-87AC-F06B8E06F7B8}"/>
+          </ac:picMkLst>
+        </pc:picChg>
+        <pc:picChg chg="del">
+          <ac:chgData name="Fatima Pillosu" userId="a6295d4dc9e22643" providerId="LiveId" clId="{B26A76B7-99FE-49DB-AA61-29E0DD96B9EC}" dt="2020-11-27T06:12:08.441" v="3"/>
+          <ac:picMkLst>
+            <pc:docMk/>
+            <pc:sldMk cId="3377678262" sldId="257"/>
+            <ac:picMk id="14" creationId="{99599FF7-DD9E-4C45-B6D0-6624933DBEC8}"/>
+          </ac:picMkLst>
+        </pc:picChg>
+        <pc:picChg chg="del">
+          <ac:chgData name="Fatima Pillosu" userId="a6295d4dc9e22643" providerId="LiveId" clId="{B26A76B7-99FE-49DB-AA61-29E0DD96B9EC}" dt="2020-11-27T06:12:08.441" v="3"/>
+          <ac:picMkLst>
+            <pc:docMk/>
+            <pc:sldMk cId="3377678262" sldId="257"/>
+            <ac:picMk id="16" creationId="{7B30BCF8-6F6D-4508-90B6-B7159172B46D}"/>
+          </ac:picMkLst>
+        </pc:picChg>
+        <pc:picChg chg="del">
+          <ac:chgData name="Fatima Pillosu" userId="a6295d4dc9e22643" providerId="LiveId" clId="{B26A76B7-99FE-49DB-AA61-29E0DD96B9EC}" dt="2020-11-27T06:12:08.441" v="3"/>
+          <ac:picMkLst>
+            <pc:docMk/>
+            <pc:sldMk cId="3377678262" sldId="257"/>
+            <ac:picMk id="17" creationId="{0FE5391D-5BC9-4CE6-885F-87045BCE6E6F}"/>
+          </ac:picMkLst>
+        </pc:picChg>
+        <pc:picChg chg="del">
+          <ac:chgData name="Fatima Pillosu" userId="a6295d4dc9e22643" providerId="LiveId" clId="{B26A76B7-99FE-49DB-AA61-29E0DD96B9EC}" dt="2020-11-27T06:12:08.441" v="3"/>
+          <ac:picMkLst>
+            <pc:docMk/>
+            <pc:sldMk cId="3377678262" sldId="257"/>
+            <ac:picMk id="18" creationId="{3D888D80-4EB0-4864-835E-79097F6D9C18}"/>
+          </ac:picMkLst>
+        </pc:picChg>
+        <pc:picChg chg="add del">
+          <ac:chgData name="Fatima Pillosu" userId="a6295d4dc9e22643" providerId="LiveId" clId="{B26A76B7-99FE-49DB-AA61-29E0DD96B9EC}" dt="2020-11-27T06:13:19.342" v="6"/>
+          <ac:picMkLst>
+            <pc:docMk/>
+            <pc:sldMk cId="3377678262" sldId="257"/>
+            <ac:picMk id="24" creationId="{C56FD3EE-F9D3-4D55-A2C6-E850BFEA197B}"/>
+          </ac:picMkLst>
+        </pc:picChg>
+        <pc:picChg chg="add del">
+          <ac:chgData name="Fatima Pillosu" userId="a6295d4dc9e22643" providerId="LiveId" clId="{B26A76B7-99FE-49DB-AA61-29E0DD96B9EC}" dt="2020-11-27T06:13:19.342" v="6"/>
+          <ac:picMkLst>
+            <pc:docMk/>
+            <pc:sldMk cId="3377678262" sldId="257"/>
+            <ac:picMk id="25" creationId="{90E46380-AF5B-4BC7-8DEA-484293868EBE}"/>
+          </ac:picMkLst>
+        </pc:picChg>
+        <pc:picChg chg="add del">
+          <ac:chgData name="Fatima Pillosu" userId="a6295d4dc9e22643" providerId="LiveId" clId="{B26A76B7-99FE-49DB-AA61-29E0DD96B9EC}" dt="2020-11-27T06:13:19.342" v="6"/>
+          <ac:picMkLst>
+            <pc:docMk/>
+            <pc:sldMk cId="3377678262" sldId="257"/>
+            <ac:picMk id="26" creationId="{90AC15C4-08AA-43ED-876A-691CF72762FF}"/>
+          </ac:picMkLst>
+        </pc:picChg>
+        <pc:picChg chg="add del">
+          <ac:chgData name="Fatima Pillosu" userId="a6295d4dc9e22643" providerId="LiveId" clId="{B26A76B7-99FE-49DB-AA61-29E0DD96B9EC}" dt="2020-11-27T06:13:19.342" v="6"/>
+          <ac:picMkLst>
+            <pc:docMk/>
+            <pc:sldMk cId="3377678262" sldId="257"/>
+            <ac:picMk id="27" creationId="{6EF74620-FDEC-41A7-B6BF-2A8052F6EDA5}"/>
+          </ac:picMkLst>
+        </pc:picChg>
+        <pc:picChg chg="add del">
+          <ac:chgData name="Fatima Pillosu" userId="a6295d4dc9e22643" providerId="LiveId" clId="{B26A76B7-99FE-49DB-AA61-29E0DD96B9EC}" dt="2020-11-27T06:13:19.342" v="6"/>
+          <ac:picMkLst>
+            <pc:docMk/>
+            <pc:sldMk cId="3377678262" sldId="257"/>
+            <ac:picMk id="28" creationId="{442B1E40-83AA-440A-B6E5-195AFA7989EE}"/>
+          </ac:picMkLst>
+        </pc:picChg>
+        <pc:picChg chg="add del">
+          <ac:chgData name="Fatima Pillosu" userId="a6295d4dc9e22643" providerId="LiveId" clId="{B26A76B7-99FE-49DB-AA61-29E0DD96B9EC}" dt="2020-11-27T06:13:19.342" v="6"/>
+          <ac:picMkLst>
+            <pc:docMk/>
+            <pc:sldMk cId="3377678262" sldId="257"/>
+            <ac:picMk id="29" creationId="{7255D0FB-357F-4974-B6C7-A3D8F05A3BCA}"/>
+          </ac:picMkLst>
+        </pc:picChg>
+        <pc:picChg chg="add del">
+          <ac:chgData name="Fatima Pillosu" userId="a6295d4dc9e22643" providerId="LiveId" clId="{B26A76B7-99FE-49DB-AA61-29E0DD96B9EC}" dt="2020-11-27T06:13:19.342" v="6"/>
+          <ac:picMkLst>
+            <pc:docMk/>
+            <pc:sldMk cId="3377678262" sldId="257"/>
+            <ac:picMk id="30" creationId="{1C023F94-A63E-4567-AC0C-CA8688A22132}"/>
+          </ac:picMkLst>
+        </pc:picChg>
+        <pc:picChg chg="add del">
+          <ac:chgData name="Fatima Pillosu" userId="a6295d4dc9e22643" providerId="LiveId" clId="{B26A76B7-99FE-49DB-AA61-29E0DD96B9EC}" dt="2020-11-27T06:13:19.342" v="6"/>
+          <ac:picMkLst>
+            <pc:docMk/>
+            <pc:sldMk cId="3377678262" sldId="257"/>
+            <ac:picMk id="31" creationId="{D7103C6B-49D9-4434-9DAF-4B98B092609B}"/>
+          </ac:picMkLst>
+        </pc:picChg>
+        <pc:picChg chg="add del">
+          <ac:chgData name="Fatima Pillosu" userId="a6295d4dc9e22643" providerId="LiveId" clId="{B26A76B7-99FE-49DB-AA61-29E0DD96B9EC}" dt="2020-11-27T06:13:19.342" v="6"/>
+          <ac:picMkLst>
+            <pc:docMk/>
+            <pc:sldMk cId="3377678262" sldId="257"/>
+            <ac:picMk id="32" creationId="{3EFEB1E7-59C7-426A-A4E7-CAF681BEB4DF}"/>
+          </ac:picMkLst>
+        </pc:picChg>
+        <pc:picChg chg="add del">
+          <ac:chgData name="Fatima Pillosu" userId="a6295d4dc9e22643" providerId="LiveId" clId="{B26A76B7-99FE-49DB-AA61-29E0DD96B9EC}" dt="2020-11-27T06:13:19.342" v="6"/>
+          <ac:picMkLst>
+            <pc:docMk/>
+            <pc:sldMk cId="3377678262" sldId="257"/>
+            <ac:picMk id="33" creationId="{E5DD0A68-7B81-4CA3-AEDA-49D212003527}"/>
+          </ac:picMkLst>
+        </pc:picChg>
+        <pc:picChg chg="add">
+          <ac:chgData name="Fatima Pillosu" userId="a6295d4dc9e22643" providerId="LiveId" clId="{B26A76B7-99FE-49DB-AA61-29E0DD96B9EC}" dt="2020-11-27T06:13:32.450" v="7"/>
+          <ac:picMkLst>
+            <pc:docMk/>
+            <pc:sldMk cId="3377678262" sldId="257"/>
+            <ac:picMk id="39" creationId="{3C2977AF-2BC3-4011-B6AF-2F28E8FEFC78}"/>
+          </ac:picMkLst>
+        </pc:picChg>
+        <pc:picChg chg="add">
+          <ac:chgData name="Fatima Pillosu" userId="a6295d4dc9e22643" providerId="LiveId" clId="{B26A76B7-99FE-49DB-AA61-29E0DD96B9EC}" dt="2020-11-27T06:13:32.450" v="7"/>
+          <ac:picMkLst>
+            <pc:docMk/>
+            <pc:sldMk cId="3377678262" sldId="257"/>
+            <ac:picMk id="40" creationId="{7CF6C1BC-3F77-4B80-BB49-23C5FB5ABDCC}"/>
+          </ac:picMkLst>
+        </pc:picChg>
+        <pc:picChg chg="add">
+          <ac:chgData name="Fatima Pillosu" userId="a6295d4dc9e22643" providerId="LiveId" clId="{B26A76B7-99FE-49DB-AA61-29E0DD96B9EC}" dt="2020-11-27T06:13:32.450" v="7"/>
+          <ac:picMkLst>
+            <pc:docMk/>
+            <pc:sldMk cId="3377678262" sldId="257"/>
+            <ac:picMk id="41" creationId="{F2671EF0-C17C-4073-9050-39E8EA9799D7}"/>
+          </ac:picMkLst>
+        </pc:picChg>
+        <pc:picChg chg="add">
+          <ac:chgData name="Fatima Pillosu" userId="a6295d4dc9e22643" providerId="LiveId" clId="{B26A76B7-99FE-49DB-AA61-29E0DD96B9EC}" dt="2020-11-27T06:13:32.450" v="7"/>
+          <ac:picMkLst>
+            <pc:docMk/>
+            <pc:sldMk cId="3377678262" sldId="257"/>
+            <ac:picMk id="42" creationId="{5C847997-63C4-4F28-BC2D-B5DC929CD935}"/>
+          </ac:picMkLst>
+        </pc:picChg>
+        <pc:picChg chg="add">
+          <ac:chgData name="Fatima Pillosu" userId="a6295d4dc9e22643" providerId="LiveId" clId="{B26A76B7-99FE-49DB-AA61-29E0DD96B9EC}" dt="2020-11-27T06:13:32.450" v="7"/>
+          <ac:picMkLst>
+            <pc:docMk/>
+            <pc:sldMk cId="3377678262" sldId="257"/>
+            <ac:picMk id="43" creationId="{40057977-1379-49D4-9485-2C57E418C107}"/>
+          </ac:picMkLst>
+        </pc:picChg>
+        <pc:picChg chg="add">
+          <ac:chgData name="Fatima Pillosu" userId="a6295d4dc9e22643" providerId="LiveId" clId="{B26A76B7-99FE-49DB-AA61-29E0DD96B9EC}" dt="2020-11-27T06:13:32.450" v="7"/>
+          <ac:picMkLst>
+            <pc:docMk/>
+            <pc:sldMk cId="3377678262" sldId="257"/>
+            <ac:picMk id="44" creationId="{A995686B-37BF-47A8-A4CA-5B15803B8345}"/>
+          </ac:picMkLst>
+        </pc:picChg>
+        <pc:picChg chg="add">
+          <ac:chgData name="Fatima Pillosu" userId="a6295d4dc9e22643" providerId="LiveId" clId="{B26A76B7-99FE-49DB-AA61-29E0DD96B9EC}" dt="2020-11-27T06:13:32.450" v="7"/>
+          <ac:picMkLst>
+            <pc:docMk/>
+            <pc:sldMk cId="3377678262" sldId="257"/>
+            <ac:picMk id="45" creationId="{7281327F-CA7D-47C0-82B4-67C4E707EDC4}"/>
+          </ac:picMkLst>
+        </pc:picChg>
+        <pc:picChg chg="add">
+          <ac:chgData name="Fatima Pillosu" userId="a6295d4dc9e22643" providerId="LiveId" clId="{B26A76B7-99FE-49DB-AA61-29E0DD96B9EC}" dt="2020-11-27T06:13:32.450" v="7"/>
+          <ac:picMkLst>
+            <pc:docMk/>
+            <pc:sldMk cId="3377678262" sldId="257"/>
+            <ac:picMk id="46" creationId="{E084266C-FB43-4862-BB34-98D670C447DC}"/>
+          </ac:picMkLst>
+        </pc:picChg>
+        <pc:picChg chg="add">
+          <ac:chgData name="Fatima Pillosu" userId="a6295d4dc9e22643" providerId="LiveId" clId="{B26A76B7-99FE-49DB-AA61-29E0DD96B9EC}" dt="2020-11-27T06:13:32.450" v="7"/>
+          <ac:picMkLst>
+            <pc:docMk/>
+            <pc:sldMk cId="3377678262" sldId="257"/>
+            <ac:picMk id="47" creationId="{15A294BF-1508-4B00-9DF4-6F37041D00B8}"/>
+          </ac:picMkLst>
+        </pc:picChg>
+        <pc:picChg chg="add">
+          <ac:chgData name="Fatima Pillosu" userId="a6295d4dc9e22643" providerId="LiveId" clId="{B26A76B7-99FE-49DB-AA61-29E0DD96B9EC}" dt="2020-11-27T06:13:32.450" v="7"/>
+          <ac:picMkLst>
+            <pc:docMk/>
+            <pc:sldMk cId="3377678262" sldId="257"/>
+            <ac:picMk id="48" creationId="{A8B2A638-D80A-4166-A012-A9C23481E397}"/>
+          </ac:picMkLst>
+        </pc:picChg>
+        <pc:cxnChg chg="add mod">
+          <ac:chgData name="Fatima Pillosu" userId="a6295d4dc9e22643" providerId="LiveId" clId="{B26A76B7-99FE-49DB-AA61-29E0DD96B9EC}" dt="2020-11-27T06:11:38.715" v="2" actId="11529"/>
+          <ac:cxnSpMkLst>
+            <pc:docMk/>
+            <pc:sldMk cId="3377678262" sldId="257"/>
+            <ac:cxnSpMk id="3" creationId="{BDB01CEF-3F48-4344-88C6-B7298C240FE0}"/>
+          </ac:cxnSpMkLst>
+        </pc:cxnChg>
+        <pc:cxnChg chg="add mod">
+          <ac:chgData name="Fatima Pillosu" userId="a6295d4dc9e22643" providerId="LiveId" clId="{B26A76B7-99FE-49DB-AA61-29E0DD96B9EC}" dt="2020-11-27T06:13:15.575" v="5" actId="11529"/>
+          <ac:cxnSpMkLst>
+            <pc:docMk/>
+            <pc:sldMk cId="3377678262" sldId="257"/>
+            <ac:cxnSpMk id="15" creationId="{D6439761-7D81-4FF4-9E3E-A80CF98F284B}"/>
+          </ac:cxnSpMkLst>
+        </pc:cxnChg>
+      </pc:sldChg>
+    </pc:docChg>
+  </pc:docChgLst>
 </pc:chgInfo>
 </file>
 
@@ -380,13 +771,7 @@
       </p:grpSpPr>
       <p:sp>
         <p:nvSpPr>
-          <p:cNvPr id="2" name="Title 1">
-            <a:extLst>
-              <a:ext uri="{FF2B5EF4-FFF2-40B4-BE49-F238E27FC236}">
-                <a16:creationId xmlns:a16="http://schemas.microsoft.com/office/drawing/2014/main" id="{896BCD3C-3137-4E49-9615-DA9B83340C45}"/>
-              </a:ext>
-            </a:extLst>
-          </p:cNvPr>
+          <p:cNvPr id="2" name="Title 1"/>
           <p:cNvSpPr>
             <a:spLocks noGrp="1"/>
           </p:cNvSpPr>
@@ -396,15 +781,15 @@
         </p:nvSpPr>
         <p:spPr>
           <a:xfrm>
-            <a:off x="1524000" y="1122363"/>
-            <a:ext cx="9144000" cy="2387600"/>
+            <a:off x="1016992" y="789552"/>
+            <a:ext cx="6101954" cy="1679610"/>
           </a:xfrm>
         </p:spPr>
         <p:txBody>
           <a:bodyPr anchor="b"/>
           <a:lstStyle>
             <a:lvl1pPr algn="ctr">
-              <a:defRPr sz="6000"/>
+              <a:defRPr sz="4004"/>
             </a:lvl1pPr>
           </a:lstStyle>
           <a:p>
@@ -412,19 +797,13 @@
               <a:rPr lang="en-US"/>
               <a:t>Click to edit Master title style</a:t>
             </a:r>
-            <a:endParaRPr lang="en-GB"/>
-          </a:p>
-        </p:txBody>
-      </p:sp>
-      <p:sp>
-        <p:nvSpPr>
-          <p:cNvPr id="3" name="Subtitle 2">
-            <a:extLst>
-              <a:ext uri="{FF2B5EF4-FFF2-40B4-BE49-F238E27FC236}">
-                <a16:creationId xmlns:a16="http://schemas.microsoft.com/office/drawing/2014/main" id="{E3725F46-A6DC-42DC-AA9F-384C90992283}"/>
-              </a:ext>
-            </a:extLst>
-          </p:cNvPr>
+            <a:endParaRPr lang="en-US" dirty="0"/>
+          </a:p>
+        </p:txBody>
+      </p:sp>
+      <p:sp>
+        <p:nvSpPr>
+          <p:cNvPr id="3" name="Subtitle 2"/>
           <p:cNvSpPr>
             <a:spLocks noGrp="1"/>
           </p:cNvSpPr>
@@ -434,8 +813,8 @@
         </p:nvSpPr>
         <p:spPr>
           <a:xfrm>
-            <a:off x="1524000" y="3602038"/>
-            <a:ext cx="9144000" cy="1655762"/>
+            <a:off x="1016992" y="2533934"/>
+            <a:ext cx="6101954" cy="1164783"/>
           </a:xfrm>
         </p:spPr>
         <p:txBody>
@@ -443,39 +822,39 @@
           <a:lstStyle>
             <a:lvl1pPr marL="0" indent="0" algn="ctr">
               <a:buNone/>
-              <a:defRPr sz="2400"/>
+              <a:defRPr sz="1602"/>
             </a:lvl1pPr>
-            <a:lvl2pPr marL="457200" indent="0" algn="ctr">
-              <a:buNone/>
-              <a:defRPr sz="2000"/>
+            <a:lvl2pPr marL="305090" indent="0" algn="ctr">
+              <a:buNone/>
+              <a:defRPr sz="1335"/>
             </a:lvl2pPr>
-            <a:lvl3pPr marL="914400" indent="0" algn="ctr">
-              <a:buNone/>
-              <a:defRPr sz="1800"/>
+            <a:lvl3pPr marL="610179" indent="0" algn="ctr">
+              <a:buNone/>
+              <a:defRPr sz="1201"/>
             </a:lvl3pPr>
-            <a:lvl4pPr marL="1371600" indent="0" algn="ctr">
-              <a:buNone/>
-              <a:defRPr sz="1600"/>
+            <a:lvl4pPr marL="915269" indent="0" algn="ctr">
+              <a:buNone/>
+              <a:defRPr sz="1068"/>
             </a:lvl4pPr>
-            <a:lvl5pPr marL="1828800" indent="0" algn="ctr">
-              <a:buNone/>
-              <a:defRPr sz="1600"/>
+            <a:lvl5pPr marL="1220358" indent="0" algn="ctr">
+              <a:buNone/>
+              <a:defRPr sz="1068"/>
             </a:lvl5pPr>
-            <a:lvl6pPr marL="2286000" indent="0" algn="ctr">
-              <a:buNone/>
-              <a:defRPr sz="1600"/>
+            <a:lvl6pPr marL="1525448" indent="0" algn="ctr">
+              <a:buNone/>
+              <a:defRPr sz="1068"/>
             </a:lvl6pPr>
-            <a:lvl7pPr marL="2743200" indent="0" algn="ctr">
-              <a:buNone/>
-              <a:defRPr sz="1600"/>
+            <a:lvl7pPr marL="1830537" indent="0" algn="ctr">
+              <a:buNone/>
+              <a:defRPr sz="1068"/>
             </a:lvl7pPr>
-            <a:lvl8pPr marL="3200400" indent="0" algn="ctr">
-              <a:buNone/>
-              <a:defRPr sz="1600"/>
+            <a:lvl8pPr marL="2135627" indent="0" algn="ctr">
+              <a:buNone/>
+              <a:defRPr sz="1068"/>
             </a:lvl8pPr>
-            <a:lvl9pPr marL="3657600" indent="0" algn="ctr">
-              <a:buNone/>
-              <a:defRPr sz="1600"/>
+            <a:lvl9pPr marL="2440716" indent="0" algn="ctr">
+              <a:buNone/>
+              <a:defRPr sz="1068"/>
             </a:lvl9pPr>
           </a:lstStyle>
           <a:p>
@@ -483,19 +862,13 @@
               <a:rPr lang="en-US"/>
               <a:t>Click to edit Master subtitle style</a:t>
             </a:r>
-            <a:endParaRPr lang="en-GB"/>
-          </a:p>
-        </p:txBody>
-      </p:sp>
-      <p:sp>
-        <p:nvSpPr>
-          <p:cNvPr id="4" name="Date Placeholder 3">
-            <a:extLst>
-              <a:ext uri="{FF2B5EF4-FFF2-40B4-BE49-F238E27FC236}">
-                <a16:creationId xmlns:a16="http://schemas.microsoft.com/office/drawing/2014/main" id="{607C4BF7-478F-489E-8EE5-1DAABCE95EA5}"/>
-              </a:ext>
-            </a:extLst>
-          </p:cNvPr>
+            <a:endParaRPr lang="en-US" dirty="0"/>
+          </a:p>
+        </p:txBody>
+      </p:sp>
+      <p:sp>
+        <p:nvSpPr>
+          <p:cNvPr id="4" name="Date Placeholder 3"/>
           <p:cNvSpPr>
             <a:spLocks noGrp="1"/>
           </p:cNvSpPr>
@@ -510,7 +883,7 @@
           <a:p>
             <a:fld id="{AB2BE02B-FE42-4C13-B12A-1EE06D06DEAE}" type="datetimeFigureOut">
               <a:rPr lang="en-GB" smtClean="0"/>
-              <a:t>25/11/2020</a:t>
+              <a:t>27/11/2020</a:t>
             </a:fld>
             <a:endParaRPr lang="en-GB"/>
           </a:p>
@@ -518,13 +891,7 @@
       </p:sp>
       <p:sp>
         <p:nvSpPr>
-          <p:cNvPr id="5" name="Footer Placeholder 4">
-            <a:extLst>
-              <a:ext uri="{FF2B5EF4-FFF2-40B4-BE49-F238E27FC236}">
-                <a16:creationId xmlns:a16="http://schemas.microsoft.com/office/drawing/2014/main" id="{39B2A291-807C-4265-A007-0B04775F36DF}"/>
-              </a:ext>
-            </a:extLst>
-          </p:cNvPr>
+          <p:cNvPr id="5" name="Footer Placeholder 4"/>
           <p:cNvSpPr>
             <a:spLocks noGrp="1"/>
           </p:cNvSpPr>
@@ -543,13 +910,7 @@
       </p:sp>
       <p:sp>
         <p:nvSpPr>
-          <p:cNvPr id="6" name="Slide Number Placeholder 5">
-            <a:extLst>
-              <a:ext uri="{FF2B5EF4-FFF2-40B4-BE49-F238E27FC236}">
-                <a16:creationId xmlns:a16="http://schemas.microsoft.com/office/drawing/2014/main" id="{770DE5BC-417C-47A1-B7F4-3D54C73F19B1}"/>
-              </a:ext>
-            </a:extLst>
-          </p:cNvPr>
+          <p:cNvPr id="6" name="Slide Number Placeholder 5"/>
           <p:cNvSpPr>
             <a:spLocks noGrp="1"/>
           </p:cNvSpPr>
@@ -573,7 +934,7 @@
     </p:spTree>
     <p:extLst>
       <p:ext uri="{BB962C8B-B14F-4D97-AF65-F5344CB8AC3E}">
-        <p14:creationId xmlns:p14="http://schemas.microsoft.com/office/powerpoint/2010/main" val="797765969"/>
+        <p14:creationId xmlns:p14="http://schemas.microsoft.com/office/powerpoint/2010/main" val="1793501727"/>
       </p:ext>
     </p:extLst>
   </p:cSld>
@@ -602,13 +963,7 @@
       </p:grpSpPr>
       <p:sp>
         <p:nvSpPr>
-          <p:cNvPr id="2" name="Title 1">
-            <a:extLst>
-              <a:ext uri="{FF2B5EF4-FFF2-40B4-BE49-F238E27FC236}">
-                <a16:creationId xmlns:a16="http://schemas.microsoft.com/office/drawing/2014/main" id="{AFAD80C9-C54B-48B9-B658-1FDE756EB64C}"/>
-              </a:ext>
-            </a:extLst>
-          </p:cNvPr>
+          <p:cNvPr id="2" name="Title 1"/>
           <p:cNvSpPr>
             <a:spLocks noGrp="1"/>
           </p:cNvSpPr>
@@ -625,19 +980,13 @@
               <a:rPr lang="en-US"/>
               <a:t>Click to edit Master title style</a:t>
             </a:r>
-            <a:endParaRPr lang="en-GB"/>
-          </a:p>
-        </p:txBody>
-      </p:sp>
-      <p:sp>
-        <p:nvSpPr>
-          <p:cNvPr id="3" name="Vertical Text Placeholder 2">
-            <a:extLst>
-              <a:ext uri="{FF2B5EF4-FFF2-40B4-BE49-F238E27FC236}">
-                <a16:creationId xmlns:a16="http://schemas.microsoft.com/office/drawing/2014/main" id="{D9C9D512-117A-4394-86EC-6AB4FA335C1E}"/>
-              </a:ext>
-            </a:extLst>
-          </p:cNvPr>
+            <a:endParaRPr lang="en-US" dirty="0"/>
+          </a:p>
+        </p:txBody>
+      </p:sp>
+      <p:sp>
+        <p:nvSpPr>
+          <p:cNvPr id="3" name="Vertical Text Placeholder 2"/>
           <p:cNvSpPr>
             <a:spLocks noGrp="1"/>
           </p:cNvSpPr>
@@ -683,19 +1032,13 @@
               <a:rPr lang="en-US"/>
               <a:t>Fifth level</a:t>
             </a:r>
-            <a:endParaRPr lang="en-GB"/>
-          </a:p>
-        </p:txBody>
-      </p:sp>
-      <p:sp>
-        <p:nvSpPr>
-          <p:cNvPr id="4" name="Date Placeholder 3">
-            <a:extLst>
-              <a:ext uri="{FF2B5EF4-FFF2-40B4-BE49-F238E27FC236}">
-                <a16:creationId xmlns:a16="http://schemas.microsoft.com/office/drawing/2014/main" id="{ACACDC9F-AA95-4FB2-B419-E070B02E1575}"/>
-              </a:ext>
-            </a:extLst>
-          </p:cNvPr>
+            <a:endParaRPr lang="en-US" dirty="0"/>
+          </a:p>
+        </p:txBody>
+      </p:sp>
+      <p:sp>
+        <p:nvSpPr>
+          <p:cNvPr id="4" name="Date Placeholder 3"/>
           <p:cNvSpPr>
             <a:spLocks noGrp="1"/>
           </p:cNvSpPr>
@@ -710,7 +1053,7 @@
           <a:p>
             <a:fld id="{AB2BE02B-FE42-4C13-B12A-1EE06D06DEAE}" type="datetimeFigureOut">
               <a:rPr lang="en-GB" smtClean="0"/>
-              <a:t>25/11/2020</a:t>
+              <a:t>27/11/2020</a:t>
             </a:fld>
             <a:endParaRPr lang="en-GB"/>
           </a:p>
@@ -718,13 +1061,7 @@
       </p:sp>
       <p:sp>
         <p:nvSpPr>
-          <p:cNvPr id="5" name="Footer Placeholder 4">
-            <a:extLst>
-              <a:ext uri="{FF2B5EF4-FFF2-40B4-BE49-F238E27FC236}">
-                <a16:creationId xmlns:a16="http://schemas.microsoft.com/office/drawing/2014/main" id="{06A0751F-5BE8-41F5-ACAB-22CADC59B6EA}"/>
-              </a:ext>
-            </a:extLst>
-          </p:cNvPr>
+          <p:cNvPr id="5" name="Footer Placeholder 4"/>
           <p:cNvSpPr>
             <a:spLocks noGrp="1"/>
           </p:cNvSpPr>
@@ -743,13 +1080,7 @@
       </p:sp>
       <p:sp>
         <p:nvSpPr>
-          <p:cNvPr id="6" name="Slide Number Placeholder 5">
-            <a:extLst>
-              <a:ext uri="{FF2B5EF4-FFF2-40B4-BE49-F238E27FC236}">
-                <a16:creationId xmlns:a16="http://schemas.microsoft.com/office/drawing/2014/main" id="{AE959201-B6EA-4652-A30D-99C3D4E70AE8}"/>
-              </a:ext>
-            </a:extLst>
-          </p:cNvPr>
+          <p:cNvPr id="6" name="Slide Number Placeholder 5"/>
           <p:cNvSpPr>
             <a:spLocks noGrp="1"/>
           </p:cNvSpPr>
@@ -773,7 +1104,7 @@
     </p:spTree>
     <p:extLst>
       <p:ext uri="{BB962C8B-B14F-4D97-AF65-F5344CB8AC3E}">
-        <p14:creationId xmlns:p14="http://schemas.microsoft.com/office/powerpoint/2010/main" val="2640439248"/>
+        <p14:creationId xmlns:p14="http://schemas.microsoft.com/office/powerpoint/2010/main" val="1614866545"/>
       </p:ext>
     </p:extLst>
   </p:cSld>
@@ -802,13 +1133,7 @@
       </p:grpSpPr>
       <p:sp>
         <p:nvSpPr>
-          <p:cNvPr id="2" name="Vertical Title 1">
-            <a:extLst>
-              <a:ext uri="{FF2B5EF4-FFF2-40B4-BE49-F238E27FC236}">
-                <a16:creationId xmlns:a16="http://schemas.microsoft.com/office/drawing/2014/main" id="{69816328-BE2E-43BA-8F92-1BBA9983C07D}"/>
-              </a:ext>
-            </a:extLst>
-          </p:cNvPr>
+          <p:cNvPr id="2" name="Vertical Title 1"/>
           <p:cNvSpPr>
             <a:spLocks noGrp="1"/>
           </p:cNvSpPr>
@@ -818,8 +1143,8 @@
         </p:nvSpPr>
         <p:spPr>
           <a:xfrm>
-            <a:off x="8724900" y="365125"/>
-            <a:ext cx="2628900" cy="5811838"/>
+            <a:off x="5822280" y="256855"/>
+            <a:ext cx="1754312" cy="4088467"/>
           </a:xfrm>
         </p:spPr>
         <p:txBody>
@@ -830,19 +1155,13 @@
               <a:rPr lang="en-US"/>
               <a:t>Click to edit Master title style</a:t>
             </a:r>
-            <a:endParaRPr lang="en-GB"/>
-          </a:p>
-        </p:txBody>
-      </p:sp>
-      <p:sp>
-        <p:nvSpPr>
-          <p:cNvPr id="3" name="Vertical Text Placeholder 2">
-            <a:extLst>
-              <a:ext uri="{FF2B5EF4-FFF2-40B4-BE49-F238E27FC236}">
-                <a16:creationId xmlns:a16="http://schemas.microsoft.com/office/drawing/2014/main" id="{191BBEA4-2C1B-4EDD-AE31-6931F5AF143A}"/>
-              </a:ext>
-            </a:extLst>
-          </p:cNvPr>
+            <a:endParaRPr lang="en-US" dirty="0"/>
+          </a:p>
+        </p:txBody>
+      </p:sp>
+      <p:sp>
+        <p:nvSpPr>
+          <p:cNvPr id="3" name="Vertical Text Placeholder 2"/>
           <p:cNvSpPr>
             <a:spLocks noGrp="1"/>
           </p:cNvSpPr>
@@ -852,8 +1171,8 @@
         </p:nvSpPr>
         <p:spPr>
           <a:xfrm>
-            <a:off x="838200" y="365125"/>
-            <a:ext cx="7734300" cy="5811838"/>
+            <a:off x="559346" y="256855"/>
+            <a:ext cx="5161236" cy="4088467"/>
           </a:xfrm>
         </p:spPr>
         <p:txBody>
@@ -893,19 +1212,13 @@
               <a:rPr lang="en-US"/>
               <a:t>Fifth level</a:t>
             </a:r>
-            <a:endParaRPr lang="en-GB"/>
-          </a:p>
-        </p:txBody>
-      </p:sp>
-      <p:sp>
-        <p:nvSpPr>
-          <p:cNvPr id="4" name="Date Placeholder 3">
-            <a:extLst>
-              <a:ext uri="{FF2B5EF4-FFF2-40B4-BE49-F238E27FC236}">
-                <a16:creationId xmlns:a16="http://schemas.microsoft.com/office/drawing/2014/main" id="{9E572658-E4D5-45F9-A841-DBBBE4778690}"/>
-              </a:ext>
-            </a:extLst>
-          </p:cNvPr>
+            <a:endParaRPr lang="en-US" dirty="0"/>
+          </a:p>
+        </p:txBody>
+      </p:sp>
+      <p:sp>
+        <p:nvSpPr>
+          <p:cNvPr id="4" name="Date Placeholder 3"/>
           <p:cNvSpPr>
             <a:spLocks noGrp="1"/>
           </p:cNvSpPr>
@@ -920,7 +1233,7 @@
           <a:p>
             <a:fld id="{AB2BE02B-FE42-4C13-B12A-1EE06D06DEAE}" type="datetimeFigureOut">
               <a:rPr lang="en-GB" smtClean="0"/>
-              <a:t>25/11/2020</a:t>
+              <a:t>27/11/2020</a:t>
             </a:fld>
             <a:endParaRPr lang="en-GB"/>
           </a:p>
@@ -928,13 +1241,7 @@
       </p:sp>
       <p:sp>
         <p:nvSpPr>
-          <p:cNvPr id="5" name="Footer Placeholder 4">
-            <a:extLst>
-              <a:ext uri="{FF2B5EF4-FFF2-40B4-BE49-F238E27FC236}">
-                <a16:creationId xmlns:a16="http://schemas.microsoft.com/office/drawing/2014/main" id="{B62FB37B-5891-4C2C-88BF-35CBCBD9E8B1}"/>
-              </a:ext>
-            </a:extLst>
-          </p:cNvPr>
+          <p:cNvPr id="5" name="Footer Placeholder 4"/>
           <p:cNvSpPr>
             <a:spLocks noGrp="1"/>
           </p:cNvSpPr>
@@ -953,13 +1260,7 @@
       </p:sp>
       <p:sp>
         <p:nvSpPr>
-          <p:cNvPr id="6" name="Slide Number Placeholder 5">
-            <a:extLst>
-              <a:ext uri="{FF2B5EF4-FFF2-40B4-BE49-F238E27FC236}">
-                <a16:creationId xmlns:a16="http://schemas.microsoft.com/office/drawing/2014/main" id="{1FF9A136-50B5-45FB-A2A8-09B7C1FEF1D1}"/>
-              </a:ext>
-            </a:extLst>
-          </p:cNvPr>
+          <p:cNvPr id="6" name="Slide Number Placeholder 5"/>
           <p:cNvSpPr>
             <a:spLocks noGrp="1"/>
           </p:cNvSpPr>
@@ -983,7 +1284,7 @@
     </p:spTree>
     <p:extLst>
       <p:ext uri="{BB962C8B-B14F-4D97-AF65-F5344CB8AC3E}">
-        <p14:creationId xmlns:p14="http://schemas.microsoft.com/office/powerpoint/2010/main" val="3933940852"/>
+        <p14:creationId xmlns:p14="http://schemas.microsoft.com/office/powerpoint/2010/main" val="361920368"/>
       </p:ext>
     </p:extLst>
   </p:cSld>
@@ -1012,13 +1313,7 @@
       </p:grpSpPr>
       <p:sp>
         <p:nvSpPr>
-          <p:cNvPr id="2" name="Title 1">
-            <a:extLst>
-              <a:ext uri="{FF2B5EF4-FFF2-40B4-BE49-F238E27FC236}">
-                <a16:creationId xmlns:a16="http://schemas.microsoft.com/office/drawing/2014/main" id="{DA6E5ACB-3FAE-4249-AB74-37D13B6CFB39}"/>
-              </a:ext>
-            </a:extLst>
-          </p:cNvPr>
+          <p:cNvPr id="2" name="Title 1"/>
           <p:cNvSpPr>
             <a:spLocks noGrp="1"/>
           </p:cNvSpPr>
@@ -1035,19 +1330,13 @@
               <a:rPr lang="en-US"/>
               <a:t>Click to edit Master title style</a:t>
             </a:r>
-            <a:endParaRPr lang="en-GB"/>
-          </a:p>
-        </p:txBody>
-      </p:sp>
-      <p:sp>
-        <p:nvSpPr>
-          <p:cNvPr id="3" name="Content Placeholder 2">
-            <a:extLst>
-              <a:ext uri="{FF2B5EF4-FFF2-40B4-BE49-F238E27FC236}">
-                <a16:creationId xmlns:a16="http://schemas.microsoft.com/office/drawing/2014/main" id="{BA110089-922D-4C79-85DE-3B25E578DFC5}"/>
-              </a:ext>
-            </a:extLst>
-          </p:cNvPr>
+            <a:endParaRPr lang="en-US" dirty="0"/>
+          </a:p>
+        </p:txBody>
+      </p:sp>
+      <p:sp>
+        <p:nvSpPr>
+          <p:cNvPr id="3" name="Content Placeholder 2"/>
           <p:cNvSpPr>
             <a:spLocks noGrp="1"/>
           </p:cNvSpPr>
@@ -1093,19 +1382,13 @@
               <a:rPr lang="en-US"/>
               <a:t>Fifth level</a:t>
             </a:r>
-            <a:endParaRPr lang="en-GB"/>
-          </a:p>
-        </p:txBody>
-      </p:sp>
-      <p:sp>
-        <p:nvSpPr>
-          <p:cNvPr id="4" name="Date Placeholder 3">
-            <a:extLst>
-              <a:ext uri="{FF2B5EF4-FFF2-40B4-BE49-F238E27FC236}">
-                <a16:creationId xmlns:a16="http://schemas.microsoft.com/office/drawing/2014/main" id="{D25CEE09-4379-4D61-B554-2DB05F50BA54}"/>
-              </a:ext>
-            </a:extLst>
-          </p:cNvPr>
+            <a:endParaRPr lang="en-US" dirty="0"/>
+          </a:p>
+        </p:txBody>
+      </p:sp>
+      <p:sp>
+        <p:nvSpPr>
+          <p:cNvPr id="4" name="Date Placeholder 3"/>
           <p:cNvSpPr>
             <a:spLocks noGrp="1"/>
           </p:cNvSpPr>
@@ -1120,7 +1403,7 @@
           <a:p>
             <a:fld id="{AB2BE02B-FE42-4C13-B12A-1EE06D06DEAE}" type="datetimeFigureOut">
               <a:rPr lang="en-GB" smtClean="0"/>
-              <a:t>25/11/2020</a:t>
+              <a:t>27/11/2020</a:t>
             </a:fld>
             <a:endParaRPr lang="en-GB"/>
           </a:p>
@@ -1128,13 +1411,7 @@
       </p:sp>
       <p:sp>
         <p:nvSpPr>
-          <p:cNvPr id="5" name="Footer Placeholder 4">
-            <a:extLst>
-              <a:ext uri="{FF2B5EF4-FFF2-40B4-BE49-F238E27FC236}">
-                <a16:creationId xmlns:a16="http://schemas.microsoft.com/office/drawing/2014/main" id="{5D92C2C5-5369-4F53-AEC1-9398492BCEF1}"/>
-              </a:ext>
-            </a:extLst>
-          </p:cNvPr>
+          <p:cNvPr id="5" name="Footer Placeholder 4"/>
           <p:cNvSpPr>
             <a:spLocks noGrp="1"/>
           </p:cNvSpPr>
@@ -1153,13 +1430,7 @@
       </p:sp>
       <p:sp>
         <p:nvSpPr>
-          <p:cNvPr id="6" name="Slide Number Placeholder 5">
-            <a:extLst>
-              <a:ext uri="{FF2B5EF4-FFF2-40B4-BE49-F238E27FC236}">
-                <a16:creationId xmlns:a16="http://schemas.microsoft.com/office/drawing/2014/main" id="{9CC635AD-56B0-4A2E-B1F7-105AA3CE6859}"/>
-              </a:ext>
-            </a:extLst>
-          </p:cNvPr>
+          <p:cNvPr id="6" name="Slide Number Placeholder 5"/>
           <p:cNvSpPr>
             <a:spLocks noGrp="1"/>
           </p:cNvSpPr>
@@ -1183,7 +1454,7 @@
     </p:spTree>
     <p:extLst>
       <p:ext uri="{BB962C8B-B14F-4D97-AF65-F5344CB8AC3E}">
-        <p14:creationId xmlns:p14="http://schemas.microsoft.com/office/powerpoint/2010/main" val="473966465"/>
+        <p14:creationId xmlns:p14="http://schemas.microsoft.com/office/powerpoint/2010/main" val="1261212453"/>
       </p:ext>
     </p:extLst>
   </p:cSld>
@@ -1212,13 +1483,7 @@
       </p:grpSpPr>
       <p:sp>
         <p:nvSpPr>
-          <p:cNvPr id="2" name="Title 1">
-            <a:extLst>
-              <a:ext uri="{FF2B5EF4-FFF2-40B4-BE49-F238E27FC236}">
-                <a16:creationId xmlns:a16="http://schemas.microsoft.com/office/drawing/2014/main" id="{01A97555-F3A4-4605-BD2D-50355CE5A9D1}"/>
-              </a:ext>
-            </a:extLst>
-          </p:cNvPr>
+          <p:cNvPr id="2" name="Title 1"/>
           <p:cNvSpPr>
             <a:spLocks noGrp="1"/>
           </p:cNvSpPr>
@@ -1228,15 +1493,15 @@
         </p:nvSpPr>
         <p:spPr>
           <a:xfrm>
-            <a:off x="831850" y="1709738"/>
-            <a:ext cx="10515600" cy="2852737"/>
+            <a:off x="555108" y="1202754"/>
+            <a:ext cx="7017247" cy="2006821"/>
           </a:xfrm>
         </p:spPr>
         <p:txBody>
           <a:bodyPr anchor="b"/>
           <a:lstStyle>
             <a:lvl1pPr>
-              <a:defRPr sz="6000"/>
+              <a:defRPr sz="4004"/>
             </a:lvl1pPr>
           </a:lstStyle>
           <a:p>
@@ -1244,19 +1509,13 @@
               <a:rPr lang="en-US"/>
               <a:t>Click to edit Master title style</a:t>
             </a:r>
-            <a:endParaRPr lang="en-GB"/>
-          </a:p>
-        </p:txBody>
-      </p:sp>
-      <p:sp>
-        <p:nvSpPr>
-          <p:cNvPr id="3" name="Text Placeholder 2">
-            <a:extLst>
-              <a:ext uri="{FF2B5EF4-FFF2-40B4-BE49-F238E27FC236}">
-                <a16:creationId xmlns:a16="http://schemas.microsoft.com/office/drawing/2014/main" id="{3849EFEC-99F1-44A6-B929-B00B5A3B34D9}"/>
-              </a:ext>
-            </a:extLst>
-          </p:cNvPr>
+            <a:endParaRPr lang="en-US" dirty="0"/>
+          </a:p>
+        </p:txBody>
+      </p:sp>
+      <p:sp>
+        <p:nvSpPr>
+          <p:cNvPr id="3" name="Text Placeholder 2"/>
           <p:cNvSpPr>
             <a:spLocks noGrp="1"/>
           </p:cNvSpPr>
@@ -1266,8 +1525,8 @@
         </p:nvSpPr>
         <p:spPr>
           <a:xfrm>
-            <a:off x="831850" y="4589463"/>
-            <a:ext cx="10515600" cy="1500187"/>
+            <a:off x="555108" y="3228560"/>
+            <a:ext cx="7017247" cy="1055340"/>
           </a:xfrm>
         </p:spPr>
         <p:txBody>
@@ -1275,7 +1534,7 @@
           <a:lstStyle>
             <a:lvl1pPr marL="0" indent="0">
               <a:buNone/>
-              <a:defRPr sz="2400">
+              <a:defRPr sz="1602">
                 <a:solidFill>
                   <a:schemeClr val="tx1">
                     <a:tint val="75000"/>
@@ -1283,9 +1542,9 @@
                 </a:solidFill>
               </a:defRPr>
             </a:lvl1pPr>
-            <a:lvl2pPr marL="457200" indent="0">
-              <a:buNone/>
-              <a:defRPr sz="2000">
+            <a:lvl2pPr marL="305090" indent="0">
+              <a:buNone/>
+              <a:defRPr sz="1335">
                 <a:solidFill>
                   <a:schemeClr val="tx1">
                     <a:tint val="75000"/>
@@ -1293,9 +1552,9 @@
                 </a:solidFill>
               </a:defRPr>
             </a:lvl2pPr>
-            <a:lvl3pPr marL="914400" indent="0">
-              <a:buNone/>
-              <a:defRPr sz="1800">
+            <a:lvl3pPr marL="610179" indent="0">
+              <a:buNone/>
+              <a:defRPr sz="1201">
                 <a:solidFill>
                   <a:schemeClr val="tx1">
                     <a:tint val="75000"/>
@@ -1303,9 +1562,9 @@
                 </a:solidFill>
               </a:defRPr>
             </a:lvl3pPr>
-            <a:lvl4pPr marL="1371600" indent="0">
-              <a:buNone/>
-              <a:defRPr sz="1600">
+            <a:lvl4pPr marL="915269" indent="0">
+              <a:buNone/>
+              <a:defRPr sz="1068">
                 <a:solidFill>
                   <a:schemeClr val="tx1">
                     <a:tint val="75000"/>
@@ -1313,9 +1572,9 @@
                 </a:solidFill>
               </a:defRPr>
             </a:lvl4pPr>
-            <a:lvl5pPr marL="1828800" indent="0">
-              <a:buNone/>
-              <a:defRPr sz="1600">
+            <a:lvl5pPr marL="1220358" indent="0">
+              <a:buNone/>
+              <a:defRPr sz="1068">
                 <a:solidFill>
                   <a:schemeClr val="tx1">
                     <a:tint val="75000"/>
@@ -1323,9 +1582,9 @@
                 </a:solidFill>
               </a:defRPr>
             </a:lvl5pPr>
-            <a:lvl6pPr marL="2286000" indent="0">
-              <a:buNone/>
-              <a:defRPr sz="1600">
+            <a:lvl6pPr marL="1525448" indent="0">
+              <a:buNone/>
+              <a:defRPr sz="1068">
                 <a:solidFill>
                   <a:schemeClr val="tx1">
                     <a:tint val="75000"/>
@@ -1333,9 +1592,9 @@
                 </a:solidFill>
               </a:defRPr>
             </a:lvl6pPr>
-            <a:lvl7pPr marL="2743200" indent="0">
-              <a:buNone/>
-              <a:defRPr sz="1600">
+            <a:lvl7pPr marL="1830537" indent="0">
+              <a:buNone/>
+              <a:defRPr sz="1068">
                 <a:solidFill>
                   <a:schemeClr val="tx1">
                     <a:tint val="75000"/>
@@ -1343,9 +1602,9 @@
                 </a:solidFill>
               </a:defRPr>
             </a:lvl7pPr>
-            <a:lvl8pPr marL="3200400" indent="0">
-              <a:buNone/>
-              <a:defRPr sz="1600">
+            <a:lvl8pPr marL="2135627" indent="0">
+              <a:buNone/>
+              <a:defRPr sz="1068">
                 <a:solidFill>
                   <a:schemeClr val="tx1">
                     <a:tint val="75000"/>
@@ -1353,9 +1612,9 @@
                 </a:solidFill>
               </a:defRPr>
             </a:lvl8pPr>
-            <a:lvl9pPr marL="3657600" indent="0">
-              <a:buNone/>
-              <a:defRPr sz="1600">
+            <a:lvl9pPr marL="2440716" indent="0">
+              <a:buNone/>
+              <a:defRPr sz="1068">
                 <a:solidFill>
                   <a:schemeClr val="tx1">
                     <a:tint val="75000"/>
@@ -1375,13 +1634,7 @@
       </p:sp>
       <p:sp>
         <p:nvSpPr>
-          <p:cNvPr id="4" name="Date Placeholder 3">
-            <a:extLst>
-              <a:ext uri="{FF2B5EF4-FFF2-40B4-BE49-F238E27FC236}">
-                <a16:creationId xmlns:a16="http://schemas.microsoft.com/office/drawing/2014/main" id="{3FEEB407-F7B2-4174-88F1-27E19ED3612A}"/>
-              </a:ext>
-            </a:extLst>
-          </p:cNvPr>
+          <p:cNvPr id="4" name="Date Placeholder 3"/>
           <p:cNvSpPr>
             <a:spLocks noGrp="1"/>
           </p:cNvSpPr>
@@ -1396,7 +1649,7 @@
           <a:p>
             <a:fld id="{AB2BE02B-FE42-4C13-B12A-1EE06D06DEAE}" type="datetimeFigureOut">
               <a:rPr lang="en-GB" smtClean="0"/>
-              <a:t>25/11/2020</a:t>
+              <a:t>27/11/2020</a:t>
             </a:fld>
             <a:endParaRPr lang="en-GB"/>
           </a:p>
@@ -1404,13 +1657,7 @@
       </p:sp>
       <p:sp>
         <p:nvSpPr>
-          <p:cNvPr id="5" name="Footer Placeholder 4">
-            <a:extLst>
-              <a:ext uri="{FF2B5EF4-FFF2-40B4-BE49-F238E27FC236}">
-                <a16:creationId xmlns:a16="http://schemas.microsoft.com/office/drawing/2014/main" id="{47191DB7-BBE4-4EEB-9E82-2800F02772D2}"/>
-              </a:ext>
-            </a:extLst>
-          </p:cNvPr>
+          <p:cNvPr id="5" name="Footer Placeholder 4"/>
           <p:cNvSpPr>
             <a:spLocks noGrp="1"/>
           </p:cNvSpPr>
@@ -1429,13 +1676,7 @@
       </p:sp>
       <p:sp>
         <p:nvSpPr>
-          <p:cNvPr id="6" name="Slide Number Placeholder 5">
-            <a:extLst>
-              <a:ext uri="{FF2B5EF4-FFF2-40B4-BE49-F238E27FC236}">
-                <a16:creationId xmlns:a16="http://schemas.microsoft.com/office/drawing/2014/main" id="{D443C2AF-239A-4F6B-BB82-E5286A979D9E}"/>
-              </a:ext>
-            </a:extLst>
-          </p:cNvPr>
+          <p:cNvPr id="6" name="Slide Number Placeholder 5"/>
           <p:cNvSpPr>
             <a:spLocks noGrp="1"/>
           </p:cNvSpPr>
@@ -1459,7 +1700,7 @@
     </p:spTree>
     <p:extLst>
       <p:ext uri="{BB962C8B-B14F-4D97-AF65-F5344CB8AC3E}">
-        <p14:creationId xmlns:p14="http://schemas.microsoft.com/office/powerpoint/2010/main" val="894389059"/>
+        <p14:creationId xmlns:p14="http://schemas.microsoft.com/office/powerpoint/2010/main" val="4282380115"/>
       </p:ext>
     </p:extLst>
   </p:cSld>
@@ -1488,13 +1729,7 @@
       </p:grpSpPr>
       <p:sp>
         <p:nvSpPr>
-          <p:cNvPr id="2" name="Title 1">
-            <a:extLst>
-              <a:ext uri="{FF2B5EF4-FFF2-40B4-BE49-F238E27FC236}">
-                <a16:creationId xmlns:a16="http://schemas.microsoft.com/office/drawing/2014/main" id="{4023AED0-B84C-4E5A-84C6-828F42B96289}"/>
-              </a:ext>
-            </a:extLst>
-          </p:cNvPr>
+          <p:cNvPr id="2" name="Title 1"/>
           <p:cNvSpPr>
             <a:spLocks noGrp="1"/>
           </p:cNvSpPr>
@@ -1511,19 +1746,13 @@
               <a:rPr lang="en-US"/>
               <a:t>Click to edit Master title style</a:t>
             </a:r>
-            <a:endParaRPr lang="en-GB"/>
-          </a:p>
-        </p:txBody>
-      </p:sp>
-      <p:sp>
-        <p:nvSpPr>
-          <p:cNvPr id="3" name="Content Placeholder 2">
-            <a:extLst>
-              <a:ext uri="{FF2B5EF4-FFF2-40B4-BE49-F238E27FC236}">
-                <a16:creationId xmlns:a16="http://schemas.microsoft.com/office/drawing/2014/main" id="{44EEFDF1-DF60-4C66-BA88-C0BAC46276AF}"/>
-              </a:ext>
-            </a:extLst>
-          </p:cNvPr>
+            <a:endParaRPr lang="en-US" dirty="0"/>
+          </a:p>
+        </p:txBody>
+      </p:sp>
+      <p:sp>
+        <p:nvSpPr>
+          <p:cNvPr id="3" name="Content Placeholder 2"/>
           <p:cNvSpPr>
             <a:spLocks noGrp="1"/>
           </p:cNvSpPr>
@@ -1533,8 +1762,8 @@
         </p:nvSpPr>
         <p:spPr>
           <a:xfrm>
-            <a:off x="838200" y="1825625"/>
-            <a:ext cx="5181600" cy="4351338"/>
+            <a:off x="559346" y="1284276"/>
+            <a:ext cx="3457774" cy="3061046"/>
           </a:xfrm>
         </p:spPr>
         <p:txBody>
@@ -1574,19 +1803,13 @@
               <a:rPr lang="en-US"/>
               <a:t>Fifth level</a:t>
             </a:r>
-            <a:endParaRPr lang="en-GB"/>
-          </a:p>
-        </p:txBody>
-      </p:sp>
-      <p:sp>
-        <p:nvSpPr>
-          <p:cNvPr id="4" name="Content Placeholder 3">
-            <a:extLst>
-              <a:ext uri="{FF2B5EF4-FFF2-40B4-BE49-F238E27FC236}">
-                <a16:creationId xmlns:a16="http://schemas.microsoft.com/office/drawing/2014/main" id="{35E187D9-F056-46D1-A3B7-182A915D481C}"/>
-              </a:ext>
-            </a:extLst>
-          </p:cNvPr>
+            <a:endParaRPr lang="en-US" dirty="0"/>
+          </a:p>
+        </p:txBody>
+      </p:sp>
+      <p:sp>
+        <p:nvSpPr>
+          <p:cNvPr id="4" name="Content Placeholder 3"/>
           <p:cNvSpPr>
             <a:spLocks noGrp="1"/>
           </p:cNvSpPr>
@@ -1596,8 +1819,8 @@
         </p:nvSpPr>
         <p:spPr>
           <a:xfrm>
-            <a:off x="6172200" y="1825625"/>
-            <a:ext cx="5181600" cy="4351338"/>
+            <a:off x="4118818" y="1284276"/>
+            <a:ext cx="3457774" cy="3061046"/>
           </a:xfrm>
         </p:spPr>
         <p:txBody>
@@ -1637,19 +1860,13 @@
               <a:rPr lang="en-US"/>
               <a:t>Fifth level</a:t>
             </a:r>
-            <a:endParaRPr lang="en-GB"/>
-          </a:p>
-        </p:txBody>
-      </p:sp>
-      <p:sp>
-        <p:nvSpPr>
-          <p:cNvPr id="5" name="Date Placeholder 4">
-            <a:extLst>
-              <a:ext uri="{FF2B5EF4-FFF2-40B4-BE49-F238E27FC236}">
-                <a16:creationId xmlns:a16="http://schemas.microsoft.com/office/drawing/2014/main" id="{7478FD5A-49C2-487D-91A5-691F693D46F8}"/>
-              </a:ext>
-            </a:extLst>
-          </p:cNvPr>
+            <a:endParaRPr lang="en-US" dirty="0"/>
+          </a:p>
+        </p:txBody>
+      </p:sp>
+      <p:sp>
+        <p:nvSpPr>
+          <p:cNvPr id="5" name="Date Placeholder 4"/>
           <p:cNvSpPr>
             <a:spLocks noGrp="1"/>
           </p:cNvSpPr>
@@ -1664,7 +1881,7 @@
           <a:p>
             <a:fld id="{AB2BE02B-FE42-4C13-B12A-1EE06D06DEAE}" type="datetimeFigureOut">
               <a:rPr lang="en-GB" smtClean="0"/>
-              <a:t>25/11/2020</a:t>
+              <a:t>27/11/2020</a:t>
             </a:fld>
             <a:endParaRPr lang="en-GB"/>
           </a:p>
@@ -1672,13 +1889,7 @@
       </p:sp>
       <p:sp>
         <p:nvSpPr>
-          <p:cNvPr id="6" name="Footer Placeholder 5">
-            <a:extLst>
-              <a:ext uri="{FF2B5EF4-FFF2-40B4-BE49-F238E27FC236}">
-                <a16:creationId xmlns:a16="http://schemas.microsoft.com/office/drawing/2014/main" id="{00A2266F-CDB9-4C27-9CC9-CAB1F0ADA07F}"/>
-              </a:ext>
-            </a:extLst>
-          </p:cNvPr>
+          <p:cNvPr id="6" name="Footer Placeholder 5"/>
           <p:cNvSpPr>
             <a:spLocks noGrp="1"/>
           </p:cNvSpPr>
@@ -1697,13 +1908,7 @@
       </p:sp>
       <p:sp>
         <p:nvSpPr>
-          <p:cNvPr id="7" name="Slide Number Placeholder 6">
-            <a:extLst>
-              <a:ext uri="{FF2B5EF4-FFF2-40B4-BE49-F238E27FC236}">
-                <a16:creationId xmlns:a16="http://schemas.microsoft.com/office/drawing/2014/main" id="{C93A940D-369F-47F3-836F-178C2E85BB1D}"/>
-              </a:ext>
-            </a:extLst>
-          </p:cNvPr>
+          <p:cNvPr id="7" name="Slide Number Placeholder 6"/>
           <p:cNvSpPr>
             <a:spLocks noGrp="1"/>
           </p:cNvSpPr>
@@ -1727,7 +1932,7 @@
     </p:spTree>
     <p:extLst>
       <p:ext uri="{BB962C8B-B14F-4D97-AF65-F5344CB8AC3E}">
-        <p14:creationId xmlns:p14="http://schemas.microsoft.com/office/powerpoint/2010/main" val="4105326541"/>
+        <p14:creationId xmlns:p14="http://schemas.microsoft.com/office/powerpoint/2010/main" val="4255228300"/>
       </p:ext>
     </p:extLst>
   </p:cSld>
@@ -1756,13 +1961,7 @@
       </p:grpSpPr>
       <p:sp>
         <p:nvSpPr>
-          <p:cNvPr id="2" name="Title 1">
-            <a:extLst>
-              <a:ext uri="{FF2B5EF4-FFF2-40B4-BE49-F238E27FC236}">
-                <a16:creationId xmlns:a16="http://schemas.microsoft.com/office/drawing/2014/main" id="{880A69A1-373F-42EF-9208-E037489910D3}"/>
-              </a:ext>
-            </a:extLst>
-          </p:cNvPr>
+          <p:cNvPr id="2" name="Title 1"/>
           <p:cNvSpPr>
             <a:spLocks noGrp="1"/>
           </p:cNvSpPr>
@@ -1772,8 +1971,8 @@
         </p:nvSpPr>
         <p:spPr>
           <a:xfrm>
-            <a:off x="839788" y="365125"/>
-            <a:ext cx="10515600" cy="1325563"/>
+            <a:off x="560405" y="256856"/>
+            <a:ext cx="7017247" cy="932497"/>
           </a:xfrm>
         </p:spPr>
         <p:txBody>
@@ -1784,19 +1983,13 @@
               <a:rPr lang="en-US"/>
               <a:t>Click to edit Master title style</a:t>
             </a:r>
-            <a:endParaRPr lang="en-GB"/>
-          </a:p>
-        </p:txBody>
-      </p:sp>
-      <p:sp>
-        <p:nvSpPr>
-          <p:cNvPr id="3" name="Text Placeholder 2">
-            <a:extLst>
-              <a:ext uri="{FF2B5EF4-FFF2-40B4-BE49-F238E27FC236}">
-                <a16:creationId xmlns:a16="http://schemas.microsoft.com/office/drawing/2014/main" id="{23BB9BB6-87DC-439A-AD76-F7DDB4A9DE59}"/>
-              </a:ext>
-            </a:extLst>
-          </p:cNvPr>
+            <a:endParaRPr lang="en-US" dirty="0"/>
+          </a:p>
+        </p:txBody>
+      </p:sp>
+      <p:sp>
+        <p:nvSpPr>
+          <p:cNvPr id="3" name="Text Placeholder 2"/>
           <p:cNvSpPr>
             <a:spLocks noGrp="1"/>
           </p:cNvSpPr>
@@ -1806,8 +1999,8 @@
         </p:nvSpPr>
         <p:spPr>
           <a:xfrm>
-            <a:off x="839788" y="1681163"/>
-            <a:ext cx="5157787" cy="823912"/>
+            <a:off x="560406" y="1182652"/>
+            <a:ext cx="3441883" cy="579599"/>
           </a:xfrm>
         </p:spPr>
         <p:txBody>
@@ -1815,39 +2008,39 @@
           <a:lstStyle>
             <a:lvl1pPr marL="0" indent="0">
               <a:buNone/>
-              <a:defRPr sz="2400" b="1"/>
+              <a:defRPr sz="1602" b="1"/>
             </a:lvl1pPr>
-            <a:lvl2pPr marL="457200" indent="0">
-              <a:buNone/>
-              <a:defRPr sz="2000" b="1"/>
+            <a:lvl2pPr marL="305090" indent="0">
+              <a:buNone/>
+              <a:defRPr sz="1335" b="1"/>
             </a:lvl2pPr>
-            <a:lvl3pPr marL="914400" indent="0">
-              <a:buNone/>
-              <a:defRPr sz="1800" b="1"/>
+            <a:lvl3pPr marL="610179" indent="0">
+              <a:buNone/>
+              <a:defRPr sz="1201" b="1"/>
             </a:lvl3pPr>
-            <a:lvl4pPr marL="1371600" indent="0">
-              <a:buNone/>
-              <a:defRPr sz="1600" b="1"/>
+            <a:lvl4pPr marL="915269" indent="0">
+              <a:buNone/>
+              <a:defRPr sz="1068" b="1"/>
             </a:lvl4pPr>
-            <a:lvl5pPr marL="1828800" indent="0">
-              <a:buNone/>
-              <a:defRPr sz="1600" b="1"/>
+            <a:lvl5pPr marL="1220358" indent="0">
+              <a:buNone/>
+              <a:defRPr sz="1068" b="1"/>
             </a:lvl5pPr>
-            <a:lvl6pPr marL="2286000" indent="0">
-              <a:buNone/>
-              <a:defRPr sz="1600" b="1"/>
+            <a:lvl6pPr marL="1525448" indent="0">
+              <a:buNone/>
+              <a:defRPr sz="1068" b="1"/>
             </a:lvl6pPr>
-            <a:lvl7pPr marL="2743200" indent="0">
-              <a:buNone/>
-              <a:defRPr sz="1600" b="1"/>
+            <a:lvl7pPr marL="1830537" indent="0">
+              <a:buNone/>
+              <a:defRPr sz="1068" b="1"/>
             </a:lvl7pPr>
-            <a:lvl8pPr marL="3200400" indent="0">
-              <a:buNone/>
-              <a:defRPr sz="1600" b="1"/>
+            <a:lvl8pPr marL="2135627" indent="0">
+              <a:buNone/>
+              <a:defRPr sz="1068" b="1"/>
             </a:lvl8pPr>
-            <a:lvl9pPr marL="3657600" indent="0">
-              <a:buNone/>
-              <a:defRPr sz="1600" b="1"/>
+            <a:lvl9pPr marL="2440716" indent="0">
+              <a:buNone/>
+              <a:defRPr sz="1068" b="1"/>
             </a:lvl9pPr>
           </a:lstStyle>
           <a:p>
@@ -1861,13 +2054,7 @@
       </p:sp>
       <p:sp>
         <p:nvSpPr>
-          <p:cNvPr id="4" name="Content Placeholder 3">
-            <a:extLst>
-              <a:ext uri="{FF2B5EF4-FFF2-40B4-BE49-F238E27FC236}">
-                <a16:creationId xmlns:a16="http://schemas.microsoft.com/office/drawing/2014/main" id="{6FB95A4B-A094-411E-816F-79A01972BCDD}"/>
-              </a:ext>
-            </a:extLst>
-          </p:cNvPr>
+          <p:cNvPr id="4" name="Content Placeholder 3"/>
           <p:cNvSpPr>
             <a:spLocks noGrp="1"/>
           </p:cNvSpPr>
@@ -1877,8 +2064,8 @@
         </p:nvSpPr>
         <p:spPr>
           <a:xfrm>
-            <a:off x="839788" y="2505075"/>
-            <a:ext cx="5157787" cy="3684588"/>
+            <a:off x="560406" y="1762251"/>
+            <a:ext cx="3441883" cy="2592006"/>
           </a:xfrm>
         </p:spPr>
         <p:txBody>
@@ -1918,19 +2105,13 @@
               <a:rPr lang="en-US"/>
               <a:t>Fifth level</a:t>
             </a:r>
-            <a:endParaRPr lang="en-GB"/>
-          </a:p>
-        </p:txBody>
-      </p:sp>
-      <p:sp>
-        <p:nvSpPr>
-          <p:cNvPr id="5" name="Text Placeholder 4">
-            <a:extLst>
-              <a:ext uri="{FF2B5EF4-FFF2-40B4-BE49-F238E27FC236}">
-                <a16:creationId xmlns:a16="http://schemas.microsoft.com/office/drawing/2014/main" id="{09CF4BE2-E578-44C6-960A-CF7A7B4B0ECE}"/>
-              </a:ext>
-            </a:extLst>
-          </p:cNvPr>
+            <a:endParaRPr lang="en-US" dirty="0"/>
+          </a:p>
+        </p:txBody>
+      </p:sp>
+      <p:sp>
+        <p:nvSpPr>
+          <p:cNvPr id="5" name="Text Placeholder 4"/>
           <p:cNvSpPr>
             <a:spLocks noGrp="1"/>
           </p:cNvSpPr>
@@ -1940,8 +2121,8 @@
         </p:nvSpPr>
         <p:spPr>
           <a:xfrm>
-            <a:off x="6172200" y="1681163"/>
-            <a:ext cx="5183188" cy="823912"/>
+            <a:off x="4118819" y="1182652"/>
+            <a:ext cx="3458833" cy="579599"/>
           </a:xfrm>
         </p:spPr>
         <p:txBody>
@@ -1949,39 +2130,39 @@
           <a:lstStyle>
             <a:lvl1pPr marL="0" indent="0">
               <a:buNone/>
-              <a:defRPr sz="2400" b="1"/>
+              <a:defRPr sz="1602" b="1"/>
             </a:lvl1pPr>
-            <a:lvl2pPr marL="457200" indent="0">
-              <a:buNone/>
-              <a:defRPr sz="2000" b="1"/>
+            <a:lvl2pPr marL="305090" indent="0">
+              <a:buNone/>
+              <a:defRPr sz="1335" b="1"/>
             </a:lvl2pPr>
-            <a:lvl3pPr marL="914400" indent="0">
-              <a:buNone/>
-              <a:defRPr sz="1800" b="1"/>
+            <a:lvl3pPr marL="610179" indent="0">
+              <a:buNone/>
+              <a:defRPr sz="1201" b="1"/>
             </a:lvl3pPr>
-            <a:lvl4pPr marL="1371600" indent="0">
-              <a:buNone/>
-              <a:defRPr sz="1600" b="1"/>
+            <a:lvl4pPr marL="915269" indent="0">
+              <a:buNone/>
+              <a:defRPr sz="1068" b="1"/>
             </a:lvl4pPr>
-            <a:lvl5pPr marL="1828800" indent="0">
-              <a:buNone/>
-              <a:defRPr sz="1600" b="1"/>
+            <a:lvl5pPr marL="1220358" indent="0">
+              <a:buNone/>
+              <a:defRPr sz="1068" b="1"/>
             </a:lvl5pPr>
-            <a:lvl6pPr marL="2286000" indent="0">
-              <a:buNone/>
-              <a:defRPr sz="1600" b="1"/>
+            <a:lvl6pPr marL="1525448" indent="0">
+              <a:buNone/>
+              <a:defRPr sz="1068" b="1"/>
             </a:lvl6pPr>
-            <a:lvl7pPr marL="2743200" indent="0">
-              <a:buNone/>
-              <a:defRPr sz="1600" b="1"/>
+            <a:lvl7pPr marL="1830537" indent="0">
+              <a:buNone/>
+              <a:defRPr sz="1068" b="1"/>
             </a:lvl7pPr>
-            <a:lvl8pPr marL="3200400" indent="0">
-              <a:buNone/>
-              <a:defRPr sz="1600" b="1"/>
+            <a:lvl8pPr marL="2135627" indent="0">
+              <a:buNone/>
+              <a:defRPr sz="1068" b="1"/>
             </a:lvl8pPr>
-            <a:lvl9pPr marL="3657600" indent="0">
-              <a:buNone/>
-              <a:defRPr sz="1600" b="1"/>
+            <a:lvl9pPr marL="2440716" indent="0">
+              <a:buNone/>
+              <a:defRPr sz="1068" b="1"/>
             </a:lvl9pPr>
           </a:lstStyle>
           <a:p>
@@ -1995,13 +2176,7 @@
       </p:sp>
       <p:sp>
         <p:nvSpPr>
-          <p:cNvPr id="6" name="Content Placeholder 5">
-            <a:extLst>
-              <a:ext uri="{FF2B5EF4-FFF2-40B4-BE49-F238E27FC236}">
-                <a16:creationId xmlns:a16="http://schemas.microsoft.com/office/drawing/2014/main" id="{7839556F-FE8A-468D-AAA9-250BB90965F7}"/>
-              </a:ext>
-            </a:extLst>
-          </p:cNvPr>
+          <p:cNvPr id="6" name="Content Placeholder 5"/>
           <p:cNvSpPr>
             <a:spLocks noGrp="1"/>
           </p:cNvSpPr>
@@ -2011,8 +2186,8 @@
         </p:nvSpPr>
         <p:spPr>
           <a:xfrm>
-            <a:off x="6172200" y="2505075"/>
-            <a:ext cx="5183188" cy="3684588"/>
+            <a:off x="4118819" y="1762251"/>
+            <a:ext cx="3458833" cy="2592006"/>
           </a:xfrm>
         </p:spPr>
         <p:txBody>
@@ -2052,19 +2227,13 @@
               <a:rPr lang="en-US"/>
               <a:t>Fifth level</a:t>
             </a:r>
-            <a:endParaRPr lang="en-GB"/>
-          </a:p>
-        </p:txBody>
-      </p:sp>
-      <p:sp>
-        <p:nvSpPr>
-          <p:cNvPr id="7" name="Date Placeholder 6">
-            <a:extLst>
-              <a:ext uri="{FF2B5EF4-FFF2-40B4-BE49-F238E27FC236}">
-                <a16:creationId xmlns:a16="http://schemas.microsoft.com/office/drawing/2014/main" id="{F855E5D8-5E3B-432D-85BF-F7501D191CB6}"/>
-              </a:ext>
-            </a:extLst>
-          </p:cNvPr>
+            <a:endParaRPr lang="en-US" dirty="0"/>
+          </a:p>
+        </p:txBody>
+      </p:sp>
+      <p:sp>
+        <p:nvSpPr>
+          <p:cNvPr id="7" name="Date Placeholder 6"/>
           <p:cNvSpPr>
             <a:spLocks noGrp="1"/>
           </p:cNvSpPr>
@@ -2079,7 +2248,7 @@
           <a:p>
             <a:fld id="{AB2BE02B-FE42-4C13-B12A-1EE06D06DEAE}" type="datetimeFigureOut">
               <a:rPr lang="en-GB" smtClean="0"/>
-              <a:t>25/11/2020</a:t>
+              <a:t>27/11/2020</a:t>
             </a:fld>
             <a:endParaRPr lang="en-GB"/>
           </a:p>
@@ -2087,13 +2256,7 @@
       </p:sp>
       <p:sp>
         <p:nvSpPr>
-          <p:cNvPr id="8" name="Footer Placeholder 7">
-            <a:extLst>
-              <a:ext uri="{FF2B5EF4-FFF2-40B4-BE49-F238E27FC236}">
-                <a16:creationId xmlns:a16="http://schemas.microsoft.com/office/drawing/2014/main" id="{1AE1346A-57F6-4487-B7BA-FB3DF0DF3BB4}"/>
-              </a:ext>
-            </a:extLst>
-          </p:cNvPr>
+          <p:cNvPr id="8" name="Footer Placeholder 7"/>
           <p:cNvSpPr>
             <a:spLocks noGrp="1"/>
           </p:cNvSpPr>
@@ -2112,13 +2275,7 @@
       </p:sp>
       <p:sp>
         <p:nvSpPr>
-          <p:cNvPr id="9" name="Slide Number Placeholder 8">
-            <a:extLst>
-              <a:ext uri="{FF2B5EF4-FFF2-40B4-BE49-F238E27FC236}">
-                <a16:creationId xmlns:a16="http://schemas.microsoft.com/office/drawing/2014/main" id="{11E89213-550D-44F8-B72D-36064F378DA1}"/>
-              </a:ext>
-            </a:extLst>
-          </p:cNvPr>
+          <p:cNvPr id="9" name="Slide Number Placeholder 8"/>
           <p:cNvSpPr>
             <a:spLocks noGrp="1"/>
           </p:cNvSpPr>
@@ -2142,7 +2299,7 @@
     </p:spTree>
     <p:extLst>
       <p:ext uri="{BB962C8B-B14F-4D97-AF65-F5344CB8AC3E}">
-        <p14:creationId xmlns:p14="http://schemas.microsoft.com/office/powerpoint/2010/main" val="3820894974"/>
+        <p14:creationId xmlns:p14="http://schemas.microsoft.com/office/powerpoint/2010/main" val="1435269786"/>
       </p:ext>
     </p:extLst>
   </p:cSld>
@@ -2171,13 +2328,7 @@
       </p:grpSpPr>
       <p:sp>
         <p:nvSpPr>
-          <p:cNvPr id="2" name="Title 1">
-            <a:extLst>
-              <a:ext uri="{FF2B5EF4-FFF2-40B4-BE49-F238E27FC236}">
-                <a16:creationId xmlns:a16="http://schemas.microsoft.com/office/drawing/2014/main" id="{83297AAE-7FAF-482E-8659-EF127BAFFB99}"/>
-              </a:ext>
-            </a:extLst>
-          </p:cNvPr>
+          <p:cNvPr id="2" name="Title 1"/>
           <p:cNvSpPr>
             <a:spLocks noGrp="1"/>
           </p:cNvSpPr>
@@ -2194,19 +2345,13 @@
               <a:rPr lang="en-US"/>
               <a:t>Click to edit Master title style</a:t>
             </a:r>
-            <a:endParaRPr lang="en-GB"/>
-          </a:p>
-        </p:txBody>
-      </p:sp>
-      <p:sp>
-        <p:nvSpPr>
-          <p:cNvPr id="3" name="Date Placeholder 2">
-            <a:extLst>
-              <a:ext uri="{FF2B5EF4-FFF2-40B4-BE49-F238E27FC236}">
-                <a16:creationId xmlns:a16="http://schemas.microsoft.com/office/drawing/2014/main" id="{69A3C799-64BF-4069-93ED-9DDC075A0AA3}"/>
-              </a:ext>
-            </a:extLst>
-          </p:cNvPr>
+            <a:endParaRPr lang="en-US" dirty="0"/>
+          </a:p>
+        </p:txBody>
+      </p:sp>
+      <p:sp>
+        <p:nvSpPr>
+          <p:cNvPr id="3" name="Date Placeholder 2"/>
           <p:cNvSpPr>
             <a:spLocks noGrp="1"/>
           </p:cNvSpPr>
@@ -2221,7 +2366,7 @@
           <a:p>
             <a:fld id="{AB2BE02B-FE42-4C13-B12A-1EE06D06DEAE}" type="datetimeFigureOut">
               <a:rPr lang="en-GB" smtClean="0"/>
-              <a:t>25/11/2020</a:t>
+              <a:t>27/11/2020</a:t>
             </a:fld>
             <a:endParaRPr lang="en-GB"/>
           </a:p>
@@ -2229,13 +2374,7 @@
       </p:sp>
       <p:sp>
         <p:nvSpPr>
-          <p:cNvPr id="4" name="Footer Placeholder 3">
-            <a:extLst>
-              <a:ext uri="{FF2B5EF4-FFF2-40B4-BE49-F238E27FC236}">
-                <a16:creationId xmlns:a16="http://schemas.microsoft.com/office/drawing/2014/main" id="{85C9E6DC-9B22-43E9-B2DF-8FD517650115}"/>
-              </a:ext>
-            </a:extLst>
-          </p:cNvPr>
+          <p:cNvPr id="4" name="Footer Placeholder 3"/>
           <p:cNvSpPr>
             <a:spLocks noGrp="1"/>
           </p:cNvSpPr>
@@ -2254,13 +2393,7 @@
       </p:sp>
       <p:sp>
         <p:nvSpPr>
-          <p:cNvPr id="5" name="Slide Number Placeholder 4">
-            <a:extLst>
-              <a:ext uri="{FF2B5EF4-FFF2-40B4-BE49-F238E27FC236}">
-                <a16:creationId xmlns:a16="http://schemas.microsoft.com/office/drawing/2014/main" id="{47FBA1D7-0C56-4848-9502-F2F5F31A22E2}"/>
-              </a:ext>
-            </a:extLst>
-          </p:cNvPr>
+          <p:cNvPr id="5" name="Slide Number Placeholder 4"/>
           <p:cNvSpPr>
             <a:spLocks noGrp="1"/>
           </p:cNvSpPr>
@@ -2284,7 +2417,7 @@
     </p:spTree>
     <p:extLst>
       <p:ext uri="{BB962C8B-B14F-4D97-AF65-F5344CB8AC3E}">
-        <p14:creationId xmlns:p14="http://schemas.microsoft.com/office/powerpoint/2010/main" val="1988591946"/>
+        <p14:creationId xmlns:p14="http://schemas.microsoft.com/office/powerpoint/2010/main" val="1251524011"/>
       </p:ext>
     </p:extLst>
   </p:cSld>
@@ -2313,13 +2446,7 @@
       </p:grpSpPr>
       <p:sp>
         <p:nvSpPr>
-          <p:cNvPr id="2" name="Date Placeholder 1">
-            <a:extLst>
-              <a:ext uri="{FF2B5EF4-FFF2-40B4-BE49-F238E27FC236}">
-                <a16:creationId xmlns:a16="http://schemas.microsoft.com/office/drawing/2014/main" id="{7DCFE744-DA2D-4836-A9A7-62AF65A5B852}"/>
-              </a:ext>
-            </a:extLst>
-          </p:cNvPr>
+          <p:cNvPr id="2" name="Date Placeholder 1"/>
           <p:cNvSpPr>
             <a:spLocks noGrp="1"/>
           </p:cNvSpPr>
@@ -2334,7 +2461,7 @@
           <a:p>
             <a:fld id="{AB2BE02B-FE42-4C13-B12A-1EE06D06DEAE}" type="datetimeFigureOut">
               <a:rPr lang="en-GB" smtClean="0"/>
-              <a:t>25/11/2020</a:t>
+              <a:t>27/11/2020</a:t>
             </a:fld>
             <a:endParaRPr lang="en-GB"/>
           </a:p>
@@ -2342,13 +2469,7 @@
       </p:sp>
       <p:sp>
         <p:nvSpPr>
-          <p:cNvPr id="3" name="Footer Placeholder 2">
-            <a:extLst>
-              <a:ext uri="{FF2B5EF4-FFF2-40B4-BE49-F238E27FC236}">
-                <a16:creationId xmlns:a16="http://schemas.microsoft.com/office/drawing/2014/main" id="{2CF014BF-01B1-41B0-8391-D19D2A0B03FA}"/>
-              </a:ext>
-            </a:extLst>
-          </p:cNvPr>
+          <p:cNvPr id="3" name="Footer Placeholder 2"/>
           <p:cNvSpPr>
             <a:spLocks noGrp="1"/>
           </p:cNvSpPr>
@@ -2367,13 +2488,7 @@
       </p:sp>
       <p:sp>
         <p:nvSpPr>
-          <p:cNvPr id="4" name="Slide Number Placeholder 3">
-            <a:extLst>
-              <a:ext uri="{FF2B5EF4-FFF2-40B4-BE49-F238E27FC236}">
-                <a16:creationId xmlns:a16="http://schemas.microsoft.com/office/drawing/2014/main" id="{AA4AE008-53F9-4DE3-9FC6-E35DC202558E}"/>
-              </a:ext>
-            </a:extLst>
-          </p:cNvPr>
+          <p:cNvPr id="4" name="Slide Number Placeholder 3"/>
           <p:cNvSpPr>
             <a:spLocks noGrp="1"/>
           </p:cNvSpPr>
@@ -2397,7 +2512,7 @@
     </p:spTree>
     <p:extLst>
       <p:ext uri="{BB962C8B-B14F-4D97-AF65-F5344CB8AC3E}">
-        <p14:creationId xmlns:p14="http://schemas.microsoft.com/office/powerpoint/2010/main" val="3707345334"/>
+        <p14:creationId xmlns:p14="http://schemas.microsoft.com/office/powerpoint/2010/main" val="312272842"/>
       </p:ext>
     </p:extLst>
   </p:cSld>
@@ -2426,13 +2541,7 @@
       </p:grpSpPr>
       <p:sp>
         <p:nvSpPr>
-          <p:cNvPr id="2" name="Title 1">
-            <a:extLst>
-              <a:ext uri="{FF2B5EF4-FFF2-40B4-BE49-F238E27FC236}">
-                <a16:creationId xmlns:a16="http://schemas.microsoft.com/office/drawing/2014/main" id="{2E46E885-B5AC-4DD4-B5B4-A7F49B038AD7}"/>
-              </a:ext>
-            </a:extLst>
-          </p:cNvPr>
+          <p:cNvPr id="2" name="Title 1"/>
           <p:cNvSpPr>
             <a:spLocks noGrp="1"/>
           </p:cNvSpPr>
@@ -2442,15 +2551,15 @@
         </p:nvSpPr>
         <p:spPr>
           <a:xfrm>
-            <a:off x="839788" y="457200"/>
-            <a:ext cx="3932237" cy="1600200"/>
+            <a:off x="560406" y="321628"/>
+            <a:ext cx="2624052" cy="1125696"/>
           </a:xfrm>
         </p:spPr>
         <p:txBody>
           <a:bodyPr anchor="b"/>
           <a:lstStyle>
             <a:lvl1pPr>
-              <a:defRPr sz="3200"/>
+              <a:defRPr sz="2135"/>
             </a:lvl1pPr>
           </a:lstStyle>
           <a:p>
@@ -2458,19 +2567,13 @@
               <a:rPr lang="en-US"/>
               <a:t>Click to edit Master title style</a:t>
             </a:r>
-            <a:endParaRPr lang="en-GB"/>
-          </a:p>
-        </p:txBody>
-      </p:sp>
-      <p:sp>
-        <p:nvSpPr>
-          <p:cNvPr id="3" name="Content Placeholder 2">
-            <a:extLst>
-              <a:ext uri="{FF2B5EF4-FFF2-40B4-BE49-F238E27FC236}">
-                <a16:creationId xmlns:a16="http://schemas.microsoft.com/office/drawing/2014/main" id="{58F042EE-65A2-4B7A-A188-40039CA93CE1}"/>
-              </a:ext>
-            </a:extLst>
-          </p:cNvPr>
+            <a:endParaRPr lang="en-US" dirty="0"/>
+          </a:p>
+        </p:txBody>
+      </p:sp>
+      <p:sp>
+        <p:nvSpPr>
+          <p:cNvPr id="3" name="Content Placeholder 2"/>
           <p:cNvSpPr>
             <a:spLocks noGrp="1"/>
           </p:cNvSpPr>
@@ -2480,39 +2583,39 @@
         </p:nvSpPr>
         <p:spPr>
           <a:xfrm>
-            <a:off x="5183188" y="987425"/>
-            <a:ext cx="6172200" cy="4873625"/>
+            <a:off x="3458833" y="694627"/>
+            <a:ext cx="4118819" cy="3428460"/>
           </a:xfrm>
         </p:spPr>
         <p:txBody>
           <a:bodyPr/>
           <a:lstStyle>
             <a:lvl1pPr>
-              <a:defRPr sz="3200"/>
+              <a:defRPr sz="2135"/>
             </a:lvl1pPr>
             <a:lvl2pPr>
-              <a:defRPr sz="2800"/>
+              <a:defRPr sz="1868"/>
             </a:lvl2pPr>
             <a:lvl3pPr>
-              <a:defRPr sz="2400"/>
+              <a:defRPr sz="1602"/>
             </a:lvl3pPr>
             <a:lvl4pPr>
-              <a:defRPr sz="2000"/>
+              <a:defRPr sz="1335"/>
             </a:lvl4pPr>
             <a:lvl5pPr>
-              <a:defRPr sz="2000"/>
+              <a:defRPr sz="1335"/>
             </a:lvl5pPr>
             <a:lvl6pPr>
-              <a:defRPr sz="2000"/>
+              <a:defRPr sz="1335"/>
             </a:lvl6pPr>
             <a:lvl7pPr>
-              <a:defRPr sz="2000"/>
+              <a:defRPr sz="1335"/>
             </a:lvl7pPr>
             <a:lvl8pPr>
-              <a:defRPr sz="2000"/>
+              <a:defRPr sz="1335"/>
             </a:lvl8pPr>
             <a:lvl9pPr>
-              <a:defRPr sz="2000"/>
+              <a:defRPr sz="1335"/>
             </a:lvl9pPr>
           </a:lstStyle>
           <a:p>
@@ -2549,19 +2652,13 @@
               <a:rPr lang="en-US"/>
               <a:t>Fifth level</a:t>
             </a:r>
-            <a:endParaRPr lang="en-GB"/>
-          </a:p>
-        </p:txBody>
-      </p:sp>
-      <p:sp>
-        <p:nvSpPr>
-          <p:cNvPr id="4" name="Text Placeholder 3">
-            <a:extLst>
-              <a:ext uri="{FF2B5EF4-FFF2-40B4-BE49-F238E27FC236}">
-                <a16:creationId xmlns:a16="http://schemas.microsoft.com/office/drawing/2014/main" id="{E9EA4E08-F670-4A81-B322-91D3F0D522D1}"/>
-              </a:ext>
-            </a:extLst>
-          </p:cNvPr>
+            <a:endParaRPr lang="en-US" dirty="0"/>
+          </a:p>
+        </p:txBody>
+      </p:sp>
+      <p:sp>
+        <p:nvSpPr>
+          <p:cNvPr id="4" name="Text Placeholder 3"/>
           <p:cNvSpPr>
             <a:spLocks noGrp="1"/>
           </p:cNvSpPr>
@@ -2571,8 +2668,8 @@
         </p:nvSpPr>
         <p:spPr>
           <a:xfrm>
-            <a:off x="839788" y="2057400"/>
-            <a:ext cx="3932237" cy="3811588"/>
+            <a:off x="560406" y="1447324"/>
+            <a:ext cx="2624052" cy="2681347"/>
           </a:xfrm>
         </p:spPr>
         <p:txBody>
@@ -2580,39 +2677,39 @@
           <a:lstStyle>
             <a:lvl1pPr marL="0" indent="0">
               <a:buNone/>
-              <a:defRPr sz="1600"/>
+              <a:defRPr sz="1068"/>
             </a:lvl1pPr>
-            <a:lvl2pPr marL="457200" indent="0">
-              <a:buNone/>
-              <a:defRPr sz="1400"/>
+            <a:lvl2pPr marL="305090" indent="0">
+              <a:buNone/>
+              <a:defRPr sz="934"/>
             </a:lvl2pPr>
-            <a:lvl3pPr marL="914400" indent="0">
-              <a:buNone/>
-              <a:defRPr sz="1200"/>
+            <a:lvl3pPr marL="610179" indent="0">
+              <a:buNone/>
+              <a:defRPr sz="801"/>
             </a:lvl3pPr>
-            <a:lvl4pPr marL="1371600" indent="0">
-              <a:buNone/>
-              <a:defRPr sz="1000"/>
+            <a:lvl4pPr marL="915269" indent="0">
+              <a:buNone/>
+              <a:defRPr sz="667"/>
             </a:lvl4pPr>
-            <a:lvl5pPr marL="1828800" indent="0">
-              <a:buNone/>
-              <a:defRPr sz="1000"/>
+            <a:lvl5pPr marL="1220358" indent="0">
+              <a:buNone/>
+              <a:defRPr sz="667"/>
             </a:lvl5pPr>
-            <a:lvl6pPr marL="2286000" indent="0">
-              <a:buNone/>
-              <a:defRPr sz="1000"/>
+            <a:lvl6pPr marL="1525448" indent="0">
+              <a:buNone/>
+              <a:defRPr sz="667"/>
             </a:lvl6pPr>
-            <a:lvl7pPr marL="2743200" indent="0">
-              <a:buNone/>
-              <a:defRPr sz="1000"/>
+            <a:lvl7pPr marL="1830537" indent="0">
+              <a:buNone/>
+              <a:defRPr sz="667"/>
             </a:lvl7pPr>
-            <a:lvl8pPr marL="3200400" indent="0">
-              <a:buNone/>
-              <a:defRPr sz="1000"/>
+            <a:lvl8pPr marL="2135627" indent="0">
+              <a:buNone/>
+              <a:defRPr sz="667"/>
             </a:lvl8pPr>
-            <a:lvl9pPr marL="3657600" indent="0">
-              <a:buNone/>
-              <a:defRPr sz="1000"/>
+            <a:lvl9pPr marL="2440716" indent="0">
+              <a:buNone/>
+              <a:defRPr sz="667"/>
             </a:lvl9pPr>
           </a:lstStyle>
           <a:p>
@@ -2626,13 +2723,7 @@
       </p:sp>
       <p:sp>
         <p:nvSpPr>
-          <p:cNvPr id="5" name="Date Placeholder 4">
-            <a:extLst>
-              <a:ext uri="{FF2B5EF4-FFF2-40B4-BE49-F238E27FC236}">
-                <a16:creationId xmlns:a16="http://schemas.microsoft.com/office/drawing/2014/main" id="{A12EC784-D03F-4EAE-B4D9-2EAC942D07C7}"/>
-              </a:ext>
-            </a:extLst>
-          </p:cNvPr>
+          <p:cNvPr id="5" name="Date Placeholder 4"/>
           <p:cNvSpPr>
             <a:spLocks noGrp="1"/>
           </p:cNvSpPr>
@@ -2647,7 +2738,7 @@
           <a:p>
             <a:fld id="{AB2BE02B-FE42-4C13-B12A-1EE06D06DEAE}" type="datetimeFigureOut">
               <a:rPr lang="en-GB" smtClean="0"/>
-              <a:t>25/11/2020</a:t>
+              <a:t>27/11/2020</a:t>
             </a:fld>
             <a:endParaRPr lang="en-GB"/>
           </a:p>
@@ -2655,13 +2746,7 @@
       </p:sp>
       <p:sp>
         <p:nvSpPr>
-          <p:cNvPr id="6" name="Footer Placeholder 5">
-            <a:extLst>
-              <a:ext uri="{FF2B5EF4-FFF2-40B4-BE49-F238E27FC236}">
-                <a16:creationId xmlns:a16="http://schemas.microsoft.com/office/drawing/2014/main" id="{B84CE655-790E-455E-A167-DF51688B46EA}"/>
-              </a:ext>
-            </a:extLst>
-          </p:cNvPr>
+          <p:cNvPr id="6" name="Footer Placeholder 5"/>
           <p:cNvSpPr>
             <a:spLocks noGrp="1"/>
           </p:cNvSpPr>
@@ -2680,13 +2765,7 @@
       </p:sp>
       <p:sp>
         <p:nvSpPr>
-          <p:cNvPr id="7" name="Slide Number Placeholder 6">
-            <a:extLst>
-              <a:ext uri="{FF2B5EF4-FFF2-40B4-BE49-F238E27FC236}">
-                <a16:creationId xmlns:a16="http://schemas.microsoft.com/office/drawing/2014/main" id="{4E62DDE5-969E-4453-8CF3-7B587F79D03E}"/>
-              </a:ext>
-            </a:extLst>
-          </p:cNvPr>
+          <p:cNvPr id="7" name="Slide Number Placeholder 6"/>
           <p:cNvSpPr>
             <a:spLocks noGrp="1"/>
           </p:cNvSpPr>
@@ -2710,7 +2789,7 @@
     </p:spTree>
     <p:extLst>
       <p:ext uri="{BB962C8B-B14F-4D97-AF65-F5344CB8AC3E}">
-        <p14:creationId xmlns:p14="http://schemas.microsoft.com/office/powerpoint/2010/main" val="258711206"/>
+        <p14:creationId xmlns:p14="http://schemas.microsoft.com/office/powerpoint/2010/main" val="1808187264"/>
       </p:ext>
     </p:extLst>
   </p:cSld>
@@ -2739,13 +2818,7 @@
       </p:grpSpPr>
       <p:sp>
         <p:nvSpPr>
-          <p:cNvPr id="2" name="Title 1">
-            <a:extLst>
-              <a:ext uri="{FF2B5EF4-FFF2-40B4-BE49-F238E27FC236}">
-                <a16:creationId xmlns:a16="http://schemas.microsoft.com/office/drawing/2014/main" id="{66F9ACB7-E7CF-4E2F-8B62-9E207FFAC601}"/>
-              </a:ext>
-            </a:extLst>
-          </p:cNvPr>
+          <p:cNvPr id="2" name="Title 1"/>
           <p:cNvSpPr>
             <a:spLocks noGrp="1"/>
           </p:cNvSpPr>
@@ -2755,15 +2828,15 @@
         </p:nvSpPr>
         <p:spPr>
           <a:xfrm>
-            <a:off x="839788" y="457200"/>
-            <a:ext cx="3932237" cy="1600200"/>
+            <a:off x="560406" y="321628"/>
+            <a:ext cx="2624052" cy="1125696"/>
           </a:xfrm>
         </p:spPr>
         <p:txBody>
           <a:bodyPr anchor="b"/>
           <a:lstStyle>
             <a:lvl1pPr>
-              <a:defRPr sz="3200"/>
+              <a:defRPr sz="2135"/>
             </a:lvl1pPr>
           </a:lstStyle>
           <a:p>
@@ -2771,21 +2844,15 @@
               <a:rPr lang="en-US"/>
               <a:t>Click to edit Master title style</a:t>
             </a:r>
-            <a:endParaRPr lang="en-GB"/>
-          </a:p>
-        </p:txBody>
-      </p:sp>
-      <p:sp>
-        <p:nvSpPr>
-          <p:cNvPr id="3" name="Picture Placeholder 2">
-            <a:extLst>
-              <a:ext uri="{FF2B5EF4-FFF2-40B4-BE49-F238E27FC236}">
-                <a16:creationId xmlns:a16="http://schemas.microsoft.com/office/drawing/2014/main" id="{D103A1BD-3B6C-4B21-97BE-5DC5CF94080C}"/>
-              </a:ext>
-            </a:extLst>
-          </p:cNvPr>
-          <p:cNvSpPr>
-            <a:spLocks noGrp="1"/>
+            <a:endParaRPr lang="en-US" dirty="0"/>
+          </a:p>
+        </p:txBody>
+      </p:sp>
+      <p:sp>
+        <p:nvSpPr>
+          <p:cNvPr id="3" name="Picture Placeholder 2"/>
+          <p:cNvSpPr>
+            <a:spLocks noGrp="1" noChangeAspect="1"/>
           </p:cNvSpPr>
           <p:nvPr>
             <p:ph type="pic" idx="1"/>
@@ -2793,8 +2860,73 @@
         </p:nvSpPr>
         <p:spPr>
           <a:xfrm>
-            <a:off x="5183188" y="987425"/>
-            <a:ext cx="6172200" cy="4873625"/>
+            <a:off x="3458833" y="694627"/>
+            <a:ext cx="4118819" cy="3428460"/>
+          </a:xfrm>
+        </p:spPr>
+        <p:txBody>
+          <a:bodyPr anchor="t"/>
+          <a:lstStyle>
+            <a:lvl1pPr marL="0" indent="0">
+              <a:buNone/>
+              <a:defRPr sz="2135"/>
+            </a:lvl1pPr>
+            <a:lvl2pPr marL="305090" indent="0">
+              <a:buNone/>
+              <a:defRPr sz="1868"/>
+            </a:lvl2pPr>
+            <a:lvl3pPr marL="610179" indent="0">
+              <a:buNone/>
+              <a:defRPr sz="1602"/>
+            </a:lvl3pPr>
+            <a:lvl4pPr marL="915269" indent="0">
+              <a:buNone/>
+              <a:defRPr sz="1335"/>
+            </a:lvl4pPr>
+            <a:lvl5pPr marL="1220358" indent="0">
+              <a:buNone/>
+              <a:defRPr sz="1335"/>
+            </a:lvl5pPr>
+            <a:lvl6pPr marL="1525448" indent="0">
+              <a:buNone/>
+              <a:defRPr sz="1335"/>
+            </a:lvl6pPr>
+            <a:lvl7pPr marL="1830537" indent="0">
+              <a:buNone/>
+              <a:defRPr sz="1335"/>
+            </a:lvl7pPr>
+            <a:lvl8pPr marL="2135627" indent="0">
+              <a:buNone/>
+              <a:defRPr sz="1335"/>
+            </a:lvl8pPr>
+            <a:lvl9pPr marL="2440716" indent="0">
+              <a:buNone/>
+              <a:defRPr sz="1335"/>
+            </a:lvl9pPr>
+          </a:lstStyle>
+          <a:p>
+            <a:r>
+              <a:rPr lang="en-US"/>
+              <a:t>Click icon to add picture</a:t>
+            </a:r>
+            <a:endParaRPr lang="en-US" dirty="0"/>
+          </a:p>
+        </p:txBody>
+      </p:sp>
+      <p:sp>
+        <p:nvSpPr>
+          <p:cNvPr id="4" name="Text Placeholder 3"/>
+          <p:cNvSpPr>
+            <a:spLocks noGrp="1"/>
+          </p:cNvSpPr>
+          <p:nvPr>
+            <p:ph type="body" sz="half" idx="2"/>
+          </p:nvPr>
+        </p:nvSpPr>
+        <p:spPr>
+          <a:xfrm>
+            <a:off x="560406" y="1447324"/>
+            <a:ext cx="2624052" cy="2681347"/>
           </a:xfrm>
         </p:spPr>
         <p:txBody>
@@ -2802,109 +2934,42 @@
           <a:lstStyle>
             <a:lvl1pPr marL="0" indent="0">
               <a:buNone/>
-              <a:defRPr sz="3200"/>
+              <a:defRPr sz="1068"/>
             </a:lvl1pPr>
-            <a:lvl2pPr marL="457200" indent="0">
-              <a:buNone/>
-              <a:defRPr sz="2800"/>
+            <a:lvl2pPr marL="305090" indent="0">
+              <a:buNone/>
+              <a:defRPr sz="934"/>
             </a:lvl2pPr>
-            <a:lvl3pPr marL="914400" indent="0">
-              <a:buNone/>
-              <a:defRPr sz="2400"/>
+            <a:lvl3pPr marL="610179" indent="0">
+              <a:buNone/>
+              <a:defRPr sz="801"/>
             </a:lvl3pPr>
-            <a:lvl4pPr marL="1371600" indent="0">
-              <a:buNone/>
-              <a:defRPr sz="2000"/>
+            <a:lvl4pPr marL="915269" indent="0">
+              <a:buNone/>
+              <a:defRPr sz="667"/>
             </a:lvl4pPr>
-            <a:lvl5pPr marL="1828800" indent="0">
-              <a:buNone/>
-              <a:defRPr sz="2000"/>
+            <a:lvl5pPr marL="1220358" indent="0">
+              <a:buNone/>
+              <a:defRPr sz="667"/>
             </a:lvl5pPr>
-            <a:lvl6pPr marL="2286000" indent="0">
-              <a:buNone/>
-              <a:defRPr sz="2000"/>
+            <a:lvl6pPr marL="1525448" indent="0">
+              <a:buNone/>
+              <a:defRPr sz="667"/>
             </a:lvl6pPr>
-            <a:lvl7pPr marL="2743200" indent="0">
-              <a:buNone/>
-              <a:defRPr sz="2000"/>
+            <a:lvl7pPr marL="1830537" indent="0">
+              <a:buNone/>
+              <a:defRPr sz="667"/>
             </a:lvl7pPr>
-            <a:lvl8pPr marL="3200400" indent="0">
-              <a:buNone/>
-              <a:defRPr sz="2000"/>
+            <a:lvl8pPr marL="2135627" indent="0">
+              <a:buNone/>
+              <a:defRPr sz="667"/>
             </a:lvl8pPr>
-            <a:lvl9pPr marL="3657600" indent="0">
-              <a:buNone/>
-              <a:defRPr sz="2000"/>
+            <a:lvl9pPr marL="2440716" indent="0">
+              <a:buNone/>
+              <a:defRPr sz="667"/>
             </a:lvl9pPr>
           </a:lstStyle>
           <a:p>
-            <a:endParaRPr lang="en-GB"/>
-          </a:p>
-        </p:txBody>
-      </p:sp>
-      <p:sp>
-        <p:nvSpPr>
-          <p:cNvPr id="4" name="Text Placeholder 3">
-            <a:extLst>
-              <a:ext uri="{FF2B5EF4-FFF2-40B4-BE49-F238E27FC236}">
-                <a16:creationId xmlns:a16="http://schemas.microsoft.com/office/drawing/2014/main" id="{51D28234-014B-4C08-9066-C42C782E2AE1}"/>
-              </a:ext>
-            </a:extLst>
-          </p:cNvPr>
-          <p:cNvSpPr>
-            <a:spLocks noGrp="1"/>
-          </p:cNvSpPr>
-          <p:nvPr>
-            <p:ph type="body" sz="half" idx="2"/>
-          </p:nvPr>
-        </p:nvSpPr>
-        <p:spPr>
-          <a:xfrm>
-            <a:off x="839788" y="2057400"/>
-            <a:ext cx="3932237" cy="3811588"/>
-          </a:xfrm>
-        </p:spPr>
-        <p:txBody>
-          <a:bodyPr/>
-          <a:lstStyle>
-            <a:lvl1pPr marL="0" indent="0">
-              <a:buNone/>
-              <a:defRPr sz="1600"/>
-            </a:lvl1pPr>
-            <a:lvl2pPr marL="457200" indent="0">
-              <a:buNone/>
-              <a:defRPr sz="1400"/>
-            </a:lvl2pPr>
-            <a:lvl3pPr marL="914400" indent="0">
-              <a:buNone/>
-              <a:defRPr sz="1200"/>
-            </a:lvl3pPr>
-            <a:lvl4pPr marL="1371600" indent="0">
-              <a:buNone/>
-              <a:defRPr sz="1000"/>
-            </a:lvl4pPr>
-            <a:lvl5pPr marL="1828800" indent="0">
-              <a:buNone/>
-              <a:defRPr sz="1000"/>
-            </a:lvl5pPr>
-            <a:lvl6pPr marL="2286000" indent="0">
-              <a:buNone/>
-              <a:defRPr sz="1000"/>
-            </a:lvl6pPr>
-            <a:lvl7pPr marL="2743200" indent="0">
-              <a:buNone/>
-              <a:defRPr sz="1000"/>
-            </a:lvl7pPr>
-            <a:lvl8pPr marL="3200400" indent="0">
-              <a:buNone/>
-              <a:defRPr sz="1000"/>
-            </a:lvl8pPr>
-            <a:lvl9pPr marL="3657600" indent="0">
-              <a:buNone/>
-              <a:defRPr sz="1000"/>
-            </a:lvl9pPr>
-          </a:lstStyle>
-          <a:p>
             <a:pPr lvl="0"/>
             <a:r>
               <a:rPr lang="en-US"/>
@@ -2915,13 +2980,7 @@
       </p:sp>
       <p:sp>
         <p:nvSpPr>
-          <p:cNvPr id="5" name="Date Placeholder 4">
-            <a:extLst>
-              <a:ext uri="{FF2B5EF4-FFF2-40B4-BE49-F238E27FC236}">
-                <a16:creationId xmlns:a16="http://schemas.microsoft.com/office/drawing/2014/main" id="{F3C601EB-2E1C-4A58-BADC-8D8C6037A3A4}"/>
-              </a:ext>
-            </a:extLst>
-          </p:cNvPr>
+          <p:cNvPr id="5" name="Date Placeholder 4"/>
           <p:cNvSpPr>
             <a:spLocks noGrp="1"/>
           </p:cNvSpPr>
@@ -2936,7 +2995,7 @@
           <a:p>
             <a:fld id="{AB2BE02B-FE42-4C13-B12A-1EE06D06DEAE}" type="datetimeFigureOut">
               <a:rPr lang="en-GB" smtClean="0"/>
-              <a:t>25/11/2020</a:t>
+              <a:t>27/11/2020</a:t>
             </a:fld>
             <a:endParaRPr lang="en-GB"/>
           </a:p>
@@ -2944,13 +3003,7 @@
       </p:sp>
       <p:sp>
         <p:nvSpPr>
-          <p:cNvPr id="6" name="Footer Placeholder 5">
-            <a:extLst>
-              <a:ext uri="{FF2B5EF4-FFF2-40B4-BE49-F238E27FC236}">
-                <a16:creationId xmlns:a16="http://schemas.microsoft.com/office/drawing/2014/main" id="{42111397-2BED-4BD1-A96F-50993149697B}"/>
-              </a:ext>
-            </a:extLst>
-          </p:cNvPr>
+          <p:cNvPr id="6" name="Footer Placeholder 5"/>
           <p:cNvSpPr>
             <a:spLocks noGrp="1"/>
           </p:cNvSpPr>
@@ -2969,13 +3022,7 @@
       </p:sp>
       <p:sp>
         <p:nvSpPr>
-          <p:cNvPr id="7" name="Slide Number Placeholder 6">
-            <a:extLst>
-              <a:ext uri="{FF2B5EF4-FFF2-40B4-BE49-F238E27FC236}">
-                <a16:creationId xmlns:a16="http://schemas.microsoft.com/office/drawing/2014/main" id="{874968FD-304C-4D8B-9DE6-FE4E6B6B971F}"/>
-              </a:ext>
-            </a:extLst>
-          </p:cNvPr>
+          <p:cNvPr id="7" name="Slide Number Placeholder 6"/>
           <p:cNvSpPr>
             <a:spLocks noGrp="1"/>
           </p:cNvSpPr>
@@ -2999,7 +3046,7 @@
     </p:spTree>
     <p:extLst>
       <p:ext uri="{BB962C8B-B14F-4D97-AF65-F5344CB8AC3E}">
-        <p14:creationId xmlns:p14="http://schemas.microsoft.com/office/powerpoint/2010/main" val="3232621158"/>
+        <p14:creationId xmlns:p14="http://schemas.microsoft.com/office/powerpoint/2010/main" val="3575074724"/>
       </p:ext>
     </p:extLst>
   </p:cSld>
@@ -3033,13 +3080,7 @@
       </p:grpSpPr>
       <p:sp>
         <p:nvSpPr>
-          <p:cNvPr id="2" name="Title Placeholder 1">
-            <a:extLst>
-              <a:ext uri="{FF2B5EF4-FFF2-40B4-BE49-F238E27FC236}">
-                <a16:creationId xmlns:a16="http://schemas.microsoft.com/office/drawing/2014/main" id="{71F355DE-2B88-4996-B1B6-F0FF5AB94ACF}"/>
-              </a:ext>
-            </a:extLst>
-          </p:cNvPr>
+          <p:cNvPr id="2" name="Title Placeholder 1"/>
           <p:cNvSpPr>
             <a:spLocks noGrp="1"/>
           </p:cNvSpPr>
@@ -3049,8 +3090,8 @@
         </p:nvSpPr>
         <p:spPr>
           <a:xfrm>
-            <a:off x="838200" y="365125"/>
-            <a:ext cx="10515600" cy="1325563"/>
+            <a:off x="559346" y="256856"/>
+            <a:ext cx="7017247" cy="932497"/>
           </a:xfrm>
           <a:prstGeom prst="rect">
             <a:avLst/>
@@ -3066,19 +3107,13 @@
               <a:rPr lang="en-US"/>
               <a:t>Click to edit Master title style</a:t>
             </a:r>
-            <a:endParaRPr lang="en-GB"/>
-          </a:p>
-        </p:txBody>
-      </p:sp>
-      <p:sp>
-        <p:nvSpPr>
-          <p:cNvPr id="3" name="Text Placeholder 2">
-            <a:extLst>
-              <a:ext uri="{FF2B5EF4-FFF2-40B4-BE49-F238E27FC236}">
-                <a16:creationId xmlns:a16="http://schemas.microsoft.com/office/drawing/2014/main" id="{B6EE5BFC-DEC9-4D6E-A0FF-4B0E837DADFB}"/>
-              </a:ext>
-            </a:extLst>
-          </p:cNvPr>
+            <a:endParaRPr lang="en-US" dirty="0"/>
+          </a:p>
+        </p:txBody>
+      </p:sp>
+      <p:sp>
+        <p:nvSpPr>
+          <p:cNvPr id="3" name="Text Placeholder 2"/>
           <p:cNvSpPr>
             <a:spLocks noGrp="1"/>
           </p:cNvSpPr>
@@ -3088,8 +3123,8 @@
         </p:nvSpPr>
         <p:spPr>
           <a:xfrm>
-            <a:off x="838200" y="1825625"/>
-            <a:ext cx="10515600" cy="4351338"/>
+            <a:off x="559346" y="1284276"/>
+            <a:ext cx="7017247" cy="3061046"/>
           </a:xfrm>
           <a:prstGeom prst="rect">
             <a:avLst/>
@@ -3134,19 +3169,13 @@
               <a:rPr lang="en-US"/>
               <a:t>Fifth level</a:t>
             </a:r>
-            <a:endParaRPr lang="en-GB"/>
-          </a:p>
-        </p:txBody>
-      </p:sp>
-      <p:sp>
-        <p:nvSpPr>
-          <p:cNvPr id="4" name="Date Placeholder 3">
-            <a:extLst>
-              <a:ext uri="{FF2B5EF4-FFF2-40B4-BE49-F238E27FC236}">
-                <a16:creationId xmlns:a16="http://schemas.microsoft.com/office/drawing/2014/main" id="{86911358-2A23-4EC7-A9C2-E8234C900B2A}"/>
-              </a:ext>
-            </a:extLst>
-          </p:cNvPr>
+            <a:endParaRPr lang="en-US" dirty="0"/>
+          </a:p>
+        </p:txBody>
+      </p:sp>
+      <p:sp>
+        <p:nvSpPr>
+          <p:cNvPr id="4" name="Date Placeholder 3"/>
           <p:cNvSpPr>
             <a:spLocks noGrp="1"/>
           </p:cNvSpPr>
@@ -3156,8 +3185,8 @@
         </p:nvSpPr>
         <p:spPr>
           <a:xfrm>
-            <a:off x="838200" y="6356350"/>
-            <a:ext cx="2743200" cy="365125"/>
+            <a:off x="559346" y="4471517"/>
+            <a:ext cx="1830586" cy="256855"/>
           </a:xfrm>
           <a:prstGeom prst="rect">
             <a:avLst/>
@@ -3167,7 +3196,7 @@
           <a:bodyPr vert="horz" lIns="91440" tIns="45720" rIns="91440" bIns="45720" rtlCol="0" anchor="ctr"/>
           <a:lstStyle>
             <a:lvl1pPr algn="l">
-              <a:defRPr sz="1200">
+              <a:defRPr sz="801">
                 <a:solidFill>
                   <a:schemeClr val="tx1">
                     <a:tint val="75000"/>
@@ -3179,7 +3208,7 @@
           <a:p>
             <a:fld id="{AB2BE02B-FE42-4C13-B12A-1EE06D06DEAE}" type="datetimeFigureOut">
               <a:rPr lang="en-GB" smtClean="0"/>
-              <a:t>25/11/2020</a:t>
+              <a:t>27/11/2020</a:t>
             </a:fld>
             <a:endParaRPr lang="en-GB"/>
           </a:p>
@@ -3187,13 +3216,7 @@
       </p:sp>
       <p:sp>
         <p:nvSpPr>
-          <p:cNvPr id="5" name="Footer Placeholder 4">
-            <a:extLst>
-              <a:ext uri="{FF2B5EF4-FFF2-40B4-BE49-F238E27FC236}">
-                <a16:creationId xmlns:a16="http://schemas.microsoft.com/office/drawing/2014/main" id="{410792B3-D315-40AB-9AE9-6687ABB61E38}"/>
-              </a:ext>
-            </a:extLst>
-          </p:cNvPr>
+          <p:cNvPr id="5" name="Footer Placeholder 4"/>
           <p:cNvSpPr>
             <a:spLocks noGrp="1"/>
           </p:cNvSpPr>
@@ -3203,8 +3226,8 @@
         </p:nvSpPr>
         <p:spPr>
           <a:xfrm>
-            <a:off x="4038600" y="6356350"/>
-            <a:ext cx="4114800" cy="365125"/>
+            <a:off x="2695030" y="4471517"/>
+            <a:ext cx="2745879" cy="256855"/>
           </a:xfrm>
           <a:prstGeom prst="rect">
             <a:avLst/>
@@ -3214,7 +3237,7 @@
           <a:bodyPr vert="horz" lIns="91440" tIns="45720" rIns="91440" bIns="45720" rtlCol="0" anchor="ctr"/>
           <a:lstStyle>
             <a:lvl1pPr algn="ctr">
-              <a:defRPr sz="1200">
+              <a:defRPr sz="801">
                 <a:solidFill>
                   <a:schemeClr val="tx1">
                     <a:tint val="75000"/>
@@ -3230,13 +3253,7 @@
       </p:sp>
       <p:sp>
         <p:nvSpPr>
-          <p:cNvPr id="6" name="Slide Number Placeholder 5">
-            <a:extLst>
-              <a:ext uri="{FF2B5EF4-FFF2-40B4-BE49-F238E27FC236}">
-                <a16:creationId xmlns:a16="http://schemas.microsoft.com/office/drawing/2014/main" id="{2FD11B3E-A2EE-4ED5-A57E-815CF654D3F3}"/>
-              </a:ext>
-            </a:extLst>
-          </p:cNvPr>
+          <p:cNvPr id="6" name="Slide Number Placeholder 5"/>
           <p:cNvSpPr>
             <a:spLocks noGrp="1"/>
           </p:cNvSpPr>
@@ -3246,8 +3263,8 @@
         </p:nvSpPr>
         <p:spPr>
           <a:xfrm>
-            <a:off x="8610600" y="6356350"/>
-            <a:ext cx="2743200" cy="365125"/>
+            <a:off x="5746006" y="4471517"/>
+            <a:ext cx="1830586" cy="256855"/>
           </a:xfrm>
           <a:prstGeom prst="rect">
             <a:avLst/>
@@ -3257,7 +3274,7 @@
           <a:bodyPr vert="horz" lIns="91440" tIns="45720" rIns="91440" bIns="45720" rtlCol="0" anchor="ctr"/>
           <a:lstStyle>
             <a:lvl1pPr algn="r">
-              <a:defRPr sz="1200">
+              <a:defRPr sz="801">
                 <a:solidFill>
                   <a:schemeClr val="tx1">
                     <a:tint val="75000"/>
@@ -3278,27 +3295,27 @@
     </p:spTree>
     <p:extLst>
       <p:ext uri="{BB962C8B-B14F-4D97-AF65-F5344CB8AC3E}">
-        <p14:creationId xmlns:p14="http://schemas.microsoft.com/office/powerpoint/2010/main" val="3378106905"/>
+        <p14:creationId xmlns:p14="http://schemas.microsoft.com/office/powerpoint/2010/main" val="3142666582"/>
       </p:ext>
     </p:extLst>
   </p:cSld>
   <p:clrMap bg1="lt1" tx1="dk1" bg2="lt2" tx2="dk2" accent1="accent1" accent2="accent2" accent3="accent3" accent4="accent4" accent5="accent5" accent6="accent6" hlink="hlink" folHlink="folHlink"/>
   <p:sldLayoutIdLst>
-    <p:sldLayoutId id="2147483649" r:id="rId1"/>
-    <p:sldLayoutId id="2147483650" r:id="rId2"/>
-    <p:sldLayoutId id="2147483651" r:id="rId3"/>
-    <p:sldLayoutId id="2147483652" r:id="rId4"/>
-    <p:sldLayoutId id="2147483653" r:id="rId5"/>
-    <p:sldLayoutId id="2147483654" r:id="rId6"/>
-    <p:sldLayoutId id="2147483655" r:id="rId7"/>
-    <p:sldLayoutId id="2147483656" r:id="rId8"/>
-    <p:sldLayoutId id="2147483657" r:id="rId9"/>
-    <p:sldLayoutId id="2147483658" r:id="rId10"/>
-    <p:sldLayoutId id="2147483659" r:id="rId11"/>
+    <p:sldLayoutId id="2147483673" r:id="rId1"/>
+    <p:sldLayoutId id="2147483674" r:id="rId2"/>
+    <p:sldLayoutId id="2147483675" r:id="rId3"/>
+    <p:sldLayoutId id="2147483676" r:id="rId4"/>
+    <p:sldLayoutId id="2147483677" r:id="rId5"/>
+    <p:sldLayoutId id="2147483678" r:id="rId6"/>
+    <p:sldLayoutId id="2147483679" r:id="rId7"/>
+    <p:sldLayoutId id="2147483680" r:id="rId8"/>
+    <p:sldLayoutId id="2147483681" r:id="rId9"/>
+    <p:sldLayoutId id="2147483682" r:id="rId10"/>
+    <p:sldLayoutId id="2147483683" r:id="rId11"/>
   </p:sldLayoutIdLst>
   <p:txStyles>
     <p:titleStyle>
-      <a:lvl1pPr algn="l" defTabSz="914400" rtl="0" eaLnBrk="1" latinLnBrk="0" hangingPunct="1">
+      <a:lvl1pPr algn="l" defTabSz="610179" rtl="0" eaLnBrk="1" latinLnBrk="0" hangingPunct="1">
         <a:lnSpc>
           <a:spcPct val="90000"/>
         </a:lnSpc>
@@ -3306,7 +3323,7 @@
           <a:spcPct val="0"/>
         </a:spcBef>
         <a:buNone/>
-        <a:defRPr sz="4400" kern="1200">
+        <a:defRPr sz="2936" kern="1200">
           <a:solidFill>
             <a:schemeClr val="tx1"/>
           </a:solidFill>
@@ -3317,16 +3334,16 @@
       </a:lvl1pPr>
     </p:titleStyle>
     <p:bodyStyle>
-      <a:lvl1pPr marL="228600" indent="-228600" algn="l" defTabSz="914400" rtl="0" eaLnBrk="1" latinLnBrk="0" hangingPunct="1">
+      <a:lvl1pPr marL="152545" indent="-152545" algn="l" defTabSz="610179" rtl="0" eaLnBrk="1" latinLnBrk="0" hangingPunct="1">
         <a:lnSpc>
           <a:spcPct val="90000"/>
         </a:lnSpc>
         <a:spcBef>
-          <a:spcPts val="1000"/>
+          <a:spcPts val="667"/>
         </a:spcBef>
         <a:buFont typeface="Arial" panose="020B0604020202020204" pitchFamily="34" charset="0"/>
         <a:buChar char="•"/>
-        <a:defRPr sz="2800" kern="1200">
+        <a:defRPr sz="1868" kern="1200">
           <a:solidFill>
             <a:schemeClr val="tx1"/>
           </a:solidFill>
@@ -3335,16 +3352,16 @@
           <a:cs typeface="+mn-cs"/>
         </a:defRPr>
       </a:lvl1pPr>
-      <a:lvl2pPr marL="685800" indent="-228600" algn="l" defTabSz="914400" rtl="0" eaLnBrk="1" latinLnBrk="0" hangingPunct="1">
+      <a:lvl2pPr marL="457634" indent="-152545" algn="l" defTabSz="610179" rtl="0" eaLnBrk="1" latinLnBrk="0" hangingPunct="1">
         <a:lnSpc>
           <a:spcPct val="90000"/>
         </a:lnSpc>
         <a:spcBef>
-          <a:spcPts val="500"/>
+          <a:spcPts val="334"/>
         </a:spcBef>
         <a:buFont typeface="Arial" panose="020B0604020202020204" pitchFamily="34" charset="0"/>
         <a:buChar char="•"/>
-        <a:defRPr sz="2400" kern="1200">
+        <a:defRPr sz="1602" kern="1200">
           <a:solidFill>
             <a:schemeClr val="tx1"/>
           </a:solidFill>
@@ -3353,16 +3370,16 @@
           <a:cs typeface="+mn-cs"/>
         </a:defRPr>
       </a:lvl2pPr>
-      <a:lvl3pPr marL="1143000" indent="-228600" algn="l" defTabSz="914400" rtl="0" eaLnBrk="1" latinLnBrk="0" hangingPunct="1">
+      <a:lvl3pPr marL="762724" indent="-152545" algn="l" defTabSz="610179" rtl="0" eaLnBrk="1" latinLnBrk="0" hangingPunct="1">
         <a:lnSpc>
           <a:spcPct val="90000"/>
         </a:lnSpc>
         <a:spcBef>
-          <a:spcPts val="500"/>
+          <a:spcPts val="334"/>
         </a:spcBef>
         <a:buFont typeface="Arial" panose="020B0604020202020204" pitchFamily="34" charset="0"/>
         <a:buChar char="•"/>
-        <a:defRPr sz="2000" kern="1200">
+        <a:defRPr sz="1335" kern="1200">
           <a:solidFill>
             <a:schemeClr val="tx1"/>
           </a:solidFill>
@@ -3371,16 +3388,16 @@
           <a:cs typeface="+mn-cs"/>
         </a:defRPr>
       </a:lvl3pPr>
-      <a:lvl4pPr marL="1600200" indent="-228600" algn="l" defTabSz="914400" rtl="0" eaLnBrk="1" latinLnBrk="0" hangingPunct="1">
+      <a:lvl4pPr marL="1067813" indent="-152545" algn="l" defTabSz="610179" rtl="0" eaLnBrk="1" latinLnBrk="0" hangingPunct="1">
         <a:lnSpc>
           <a:spcPct val="90000"/>
         </a:lnSpc>
         <a:spcBef>
-          <a:spcPts val="500"/>
+          <a:spcPts val="334"/>
         </a:spcBef>
         <a:buFont typeface="Arial" panose="020B0604020202020204" pitchFamily="34" charset="0"/>
         <a:buChar char="•"/>
-        <a:defRPr sz="1800" kern="1200">
+        <a:defRPr sz="1201" kern="1200">
           <a:solidFill>
             <a:schemeClr val="tx1"/>
           </a:solidFill>
@@ -3389,16 +3406,16 @@
           <a:cs typeface="+mn-cs"/>
         </a:defRPr>
       </a:lvl4pPr>
-      <a:lvl5pPr marL="2057400" indent="-228600" algn="l" defTabSz="914400" rtl="0" eaLnBrk="1" latinLnBrk="0" hangingPunct="1">
+      <a:lvl5pPr marL="1372903" indent="-152545" algn="l" defTabSz="610179" rtl="0" eaLnBrk="1" latinLnBrk="0" hangingPunct="1">
         <a:lnSpc>
           <a:spcPct val="90000"/>
         </a:lnSpc>
         <a:spcBef>
-          <a:spcPts val="500"/>
+          <a:spcPts val="334"/>
         </a:spcBef>
         <a:buFont typeface="Arial" panose="020B0604020202020204" pitchFamily="34" charset="0"/>
         <a:buChar char="•"/>
-        <a:defRPr sz="1800" kern="1200">
+        <a:defRPr sz="1201" kern="1200">
           <a:solidFill>
             <a:schemeClr val="tx1"/>
           </a:solidFill>
@@ -3407,16 +3424,16 @@
           <a:cs typeface="+mn-cs"/>
         </a:defRPr>
       </a:lvl5pPr>
-      <a:lvl6pPr marL="2514600" indent="-228600" algn="l" defTabSz="914400" rtl="0" eaLnBrk="1" latinLnBrk="0" hangingPunct="1">
+      <a:lvl6pPr marL="1677993" indent="-152545" algn="l" defTabSz="610179" rtl="0" eaLnBrk="1" latinLnBrk="0" hangingPunct="1">
         <a:lnSpc>
           <a:spcPct val="90000"/>
         </a:lnSpc>
         <a:spcBef>
-          <a:spcPts val="500"/>
+          <a:spcPts val="334"/>
         </a:spcBef>
         <a:buFont typeface="Arial" panose="020B0604020202020204" pitchFamily="34" charset="0"/>
         <a:buChar char="•"/>
-        <a:defRPr sz="1800" kern="1200">
+        <a:defRPr sz="1201" kern="1200">
           <a:solidFill>
             <a:schemeClr val="tx1"/>
           </a:solidFill>
@@ -3425,16 +3442,16 @@
           <a:cs typeface="+mn-cs"/>
         </a:defRPr>
       </a:lvl6pPr>
-      <a:lvl7pPr marL="2971800" indent="-228600" algn="l" defTabSz="914400" rtl="0" eaLnBrk="1" latinLnBrk="0" hangingPunct="1">
+      <a:lvl7pPr marL="1983082" indent="-152545" algn="l" defTabSz="610179" rtl="0" eaLnBrk="1" latinLnBrk="0" hangingPunct="1">
         <a:lnSpc>
           <a:spcPct val="90000"/>
         </a:lnSpc>
         <a:spcBef>
-          <a:spcPts val="500"/>
+          <a:spcPts val="334"/>
         </a:spcBef>
         <a:buFont typeface="Arial" panose="020B0604020202020204" pitchFamily="34" charset="0"/>
         <a:buChar char="•"/>
-        <a:defRPr sz="1800" kern="1200">
+        <a:defRPr sz="1201" kern="1200">
           <a:solidFill>
             <a:schemeClr val="tx1"/>
           </a:solidFill>
@@ -3443,16 +3460,16 @@
           <a:cs typeface="+mn-cs"/>
         </a:defRPr>
       </a:lvl7pPr>
-      <a:lvl8pPr marL="3429000" indent="-228600" algn="l" defTabSz="914400" rtl="0" eaLnBrk="1" latinLnBrk="0" hangingPunct="1">
+      <a:lvl8pPr marL="2288172" indent="-152545" algn="l" defTabSz="610179" rtl="0" eaLnBrk="1" latinLnBrk="0" hangingPunct="1">
         <a:lnSpc>
           <a:spcPct val="90000"/>
         </a:lnSpc>
         <a:spcBef>
-          <a:spcPts val="500"/>
+          <a:spcPts val="334"/>
         </a:spcBef>
         <a:buFont typeface="Arial" panose="020B0604020202020204" pitchFamily="34" charset="0"/>
         <a:buChar char="•"/>
-        <a:defRPr sz="1800" kern="1200">
+        <a:defRPr sz="1201" kern="1200">
           <a:solidFill>
             <a:schemeClr val="tx1"/>
           </a:solidFill>
@@ -3461,16 +3478,16 @@
           <a:cs typeface="+mn-cs"/>
         </a:defRPr>
       </a:lvl8pPr>
-      <a:lvl9pPr marL="3886200" indent="-228600" algn="l" defTabSz="914400" rtl="0" eaLnBrk="1" latinLnBrk="0" hangingPunct="1">
+      <a:lvl9pPr marL="2593261" indent="-152545" algn="l" defTabSz="610179" rtl="0" eaLnBrk="1" latinLnBrk="0" hangingPunct="1">
         <a:lnSpc>
           <a:spcPct val="90000"/>
         </a:lnSpc>
         <a:spcBef>
-          <a:spcPts val="500"/>
+          <a:spcPts val="334"/>
         </a:spcBef>
         <a:buFont typeface="Arial" panose="020B0604020202020204" pitchFamily="34" charset="0"/>
         <a:buChar char="•"/>
-        <a:defRPr sz="1800" kern="1200">
+        <a:defRPr sz="1201" kern="1200">
           <a:solidFill>
             <a:schemeClr val="tx1"/>
           </a:solidFill>
@@ -3484,8 +3501,8 @@
       <a:defPPr>
         <a:defRPr lang="en-US"/>
       </a:defPPr>
-      <a:lvl1pPr marL="0" algn="l" defTabSz="914400" rtl="0" eaLnBrk="1" latinLnBrk="0" hangingPunct="1">
-        <a:defRPr sz="1800" kern="1200">
+      <a:lvl1pPr marL="0" algn="l" defTabSz="610179" rtl="0" eaLnBrk="1" latinLnBrk="0" hangingPunct="1">
+        <a:defRPr sz="1201" kern="1200">
           <a:solidFill>
             <a:schemeClr val="tx1"/>
           </a:solidFill>
@@ -3494,8 +3511,8 @@
           <a:cs typeface="+mn-cs"/>
         </a:defRPr>
       </a:lvl1pPr>
-      <a:lvl2pPr marL="457200" algn="l" defTabSz="914400" rtl="0" eaLnBrk="1" latinLnBrk="0" hangingPunct="1">
-        <a:defRPr sz="1800" kern="1200">
+      <a:lvl2pPr marL="305090" algn="l" defTabSz="610179" rtl="0" eaLnBrk="1" latinLnBrk="0" hangingPunct="1">
+        <a:defRPr sz="1201" kern="1200">
           <a:solidFill>
             <a:schemeClr val="tx1"/>
           </a:solidFill>
@@ -3504,8 +3521,8 @@
           <a:cs typeface="+mn-cs"/>
         </a:defRPr>
       </a:lvl2pPr>
-      <a:lvl3pPr marL="914400" algn="l" defTabSz="914400" rtl="0" eaLnBrk="1" latinLnBrk="0" hangingPunct="1">
-        <a:defRPr sz="1800" kern="1200">
+      <a:lvl3pPr marL="610179" algn="l" defTabSz="610179" rtl="0" eaLnBrk="1" latinLnBrk="0" hangingPunct="1">
+        <a:defRPr sz="1201" kern="1200">
           <a:solidFill>
             <a:schemeClr val="tx1"/>
           </a:solidFill>
@@ -3514,8 +3531,8 @@
           <a:cs typeface="+mn-cs"/>
         </a:defRPr>
       </a:lvl3pPr>
-      <a:lvl4pPr marL="1371600" algn="l" defTabSz="914400" rtl="0" eaLnBrk="1" latinLnBrk="0" hangingPunct="1">
-        <a:defRPr sz="1800" kern="1200">
+      <a:lvl4pPr marL="915269" algn="l" defTabSz="610179" rtl="0" eaLnBrk="1" latinLnBrk="0" hangingPunct="1">
+        <a:defRPr sz="1201" kern="1200">
           <a:solidFill>
             <a:schemeClr val="tx1"/>
           </a:solidFill>
@@ -3524,8 +3541,8 @@
           <a:cs typeface="+mn-cs"/>
         </a:defRPr>
       </a:lvl4pPr>
-      <a:lvl5pPr marL="1828800" algn="l" defTabSz="914400" rtl="0" eaLnBrk="1" latinLnBrk="0" hangingPunct="1">
-        <a:defRPr sz="1800" kern="1200">
+      <a:lvl5pPr marL="1220358" algn="l" defTabSz="610179" rtl="0" eaLnBrk="1" latinLnBrk="0" hangingPunct="1">
+        <a:defRPr sz="1201" kern="1200">
           <a:solidFill>
             <a:schemeClr val="tx1"/>
           </a:solidFill>
@@ -3534,8 +3551,8 @@
           <a:cs typeface="+mn-cs"/>
         </a:defRPr>
       </a:lvl5pPr>
-      <a:lvl6pPr marL="2286000" algn="l" defTabSz="914400" rtl="0" eaLnBrk="1" latinLnBrk="0" hangingPunct="1">
-        <a:defRPr sz="1800" kern="1200">
+      <a:lvl6pPr marL="1525448" algn="l" defTabSz="610179" rtl="0" eaLnBrk="1" latinLnBrk="0" hangingPunct="1">
+        <a:defRPr sz="1201" kern="1200">
           <a:solidFill>
             <a:schemeClr val="tx1"/>
           </a:solidFill>
@@ -3544,8 +3561,8 @@
           <a:cs typeface="+mn-cs"/>
         </a:defRPr>
       </a:lvl6pPr>
-      <a:lvl7pPr marL="2743200" algn="l" defTabSz="914400" rtl="0" eaLnBrk="1" latinLnBrk="0" hangingPunct="1">
-        <a:defRPr sz="1800" kern="1200">
+      <a:lvl7pPr marL="1830537" algn="l" defTabSz="610179" rtl="0" eaLnBrk="1" latinLnBrk="0" hangingPunct="1">
+        <a:defRPr sz="1201" kern="1200">
           <a:solidFill>
             <a:schemeClr val="tx1"/>
           </a:solidFill>
@@ -3554,8 +3571,8 @@
           <a:cs typeface="+mn-cs"/>
         </a:defRPr>
       </a:lvl7pPr>
-      <a:lvl8pPr marL="3200400" algn="l" defTabSz="914400" rtl="0" eaLnBrk="1" latinLnBrk="0" hangingPunct="1">
-        <a:defRPr sz="1800" kern="1200">
+      <a:lvl8pPr marL="2135627" algn="l" defTabSz="610179" rtl="0" eaLnBrk="1" latinLnBrk="0" hangingPunct="1">
+        <a:defRPr sz="1201" kern="1200">
           <a:solidFill>
             <a:schemeClr val="tx1"/>
           </a:solidFill>
@@ -3564,8 +3581,8 @@
           <a:cs typeface="+mn-cs"/>
         </a:defRPr>
       </a:lvl8pPr>
-      <a:lvl9pPr marL="3657600" algn="l" defTabSz="914400" rtl="0" eaLnBrk="1" latinLnBrk="0" hangingPunct="1">
-        <a:defRPr sz="1800" kern="1200">
+      <a:lvl9pPr marL="2440716" algn="l" defTabSz="610179" rtl="0" eaLnBrk="1" latinLnBrk="0" hangingPunct="1">
+        <a:defRPr sz="1201" kern="1200">
           <a:solidFill>
             <a:schemeClr val="tx1"/>
           </a:solidFill>
@@ -3598,10 +3615,10 @@
       </p:grpSpPr>
       <p:graphicFrame>
         <p:nvGraphicFramePr>
-          <p:cNvPr id="5" name="Table 5">
+          <p:cNvPr id="38" name="Table 5">
             <a:extLst>
               <a:ext uri="{FF2B5EF4-FFF2-40B4-BE49-F238E27FC236}">
-                <a16:creationId xmlns:a16="http://schemas.microsoft.com/office/drawing/2014/main" id="{FD96A370-2BE6-4BB6-B5F7-D956ABDCBFDA}"/>
+                <a16:creationId xmlns:a16="http://schemas.microsoft.com/office/drawing/2014/main" id="{0F63A60B-C5C8-41D6-B539-A1ED4814B1A7}"/>
               </a:ext>
             </a:extLst>
           </p:cNvPr>
@@ -3611,14 +3628,14 @@
           <p:nvPr>
             <p:extLst>
               <p:ext uri="{D42A27DB-BD31-4B8C-83A1-F6EECF244321}">
-                <p14:modId xmlns:p14="http://schemas.microsoft.com/office/powerpoint/2010/main" val="3752730024"/>
+                <p14:modId xmlns:p14="http://schemas.microsoft.com/office/powerpoint/2010/main" val="3410593377"/>
               </p:ext>
             </p:extLst>
           </p:nvPr>
         </p:nvGraphicFramePr>
         <p:xfrm>
-          <a:off x="2032000" y="443441"/>
-          <a:ext cx="8127999" cy="4130040"/>
+          <a:off x="7939" y="-72571"/>
+          <a:ext cx="8127999" cy="2764282"/>
         </p:xfrm>
         <a:graphic>
           <a:graphicData uri="http://schemas.openxmlformats.org/drawingml/2006/table">
@@ -3707,12 +3724,17 @@
                       <a:pPr algn="l"/>
                       <a:r>
                         <a:rPr lang="en-GB" dirty="0"/>
-                        <a:t>The links to different online resources were provided via email, at the beginning of the “Real-time phase” of the trial. However, whenever new material was published, updates were also sent via email during the “Rea-time phase”.</a:t>
+                        <a:t>The links to published online resources</a:t>
                       </a:r>
                       <a:r>
                         <a:rPr lang="en-GB" baseline="30000" dirty="0"/>
                         <a:t>1</a:t>
                       </a:r>
+                      <a:r>
+                        <a:rPr lang="en-GB" dirty="0"/>
+                        <a:t> were provided via email.</a:t>
+                      </a:r>
+                      <a:endParaRPr lang="en-GB" baseline="30000" dirty="0"/>
                     </a:p>
                   </a:txBody>
                   <a:tcPr/>
@@ -3764,7 +3786,7 @@
                       </a:pPr>
                       <a:r>
                         <a:rPr lang="en-GB" dirty="0"/>
-                        <a:t>How is ecPoint-Rainfall forecasts structured?</a:t>
+                        <a:t>How are ecPoint-Rainfall forecasts structured?</a:t>
                       </a:r>
                     </a:p>
                     <a:p>
@@ -3774,7 +3796,7 @@
                       </a:pPr>
                       <a:r>
                         <a:rPr lang="en-GB" dirty="0"/>
-                        <a:t>Is the data provided accumulated?</a:t>
+                        <a:t>Is the rainfall data provided accumulated over the period of interest, e.g. 12-hourly?</a:t>
                       </a:r>
                     </a:p>
                     <a:p>
@@ -3953,10 +3975,10 @@
       </p:graphicFrame>
       <p:pic>
         <p:nvPicPr>
-          <p:cNvPr id="8" name="Graphic 7" descr="Checkmark">
+          <p:cNvPr id="39" name="Graphic 38" descr="Checkmark">
             <a:extLst>
               <a:ext uri="{FF2B5EF4-FFF2-40B4-BE49-F238E27FC236}">
-                <a16:creationId xmlns:a16="http://schemas.microsoft.com/office/drawing/2014/main" id="{E25AD980-8D02-4040-9BC2-D461780A31B2}"/>
+                <a16:creationId xmlns:a16="http://schemas.microsoft.com/office/drawing/2014/main" id="{3C2977AF-2BC3-4011-B6AF-2F28E8FEFC78}"/>
               </a:ext>
             </a:extLst>
           </p:cNvPr>
@@ -3982,7 +4004,7 @@
         </p:blipFill>
         <p:spPr>
           <a:xfrm>
-            <a:off x="8778672" y="1283029"/>
+            <a:off x="6754611" y="334757"/>
             <a:ext cx="288000" cy="288000"/>
           </a:xfrm>
           <a:prstGeom prst="rect">
@@ -3992,10 +4014,10 @@
       </p:pic>
       <p:pic>
         <p:nvPicPr>
-          <p:cNvPr id="9" name="Graphic 8" descr="Checkmark">
+          <p:cNvPr id="40" name="Graphic 39" descr="Checkmark">
             <a:extLst>
               <a:ext uri="{FF2B5EF4-FFF2-40B4-BE49-F238E27FC236}">
-                <a16:creationId xmlns:a16="http://schemas.microsoft.com/office/drawing/2014/main" id="{D6707C38-AD97-435F-9A8F-424435D178BD}"/>
+                <a16:creationId xmlns:a16="http://schemas.microsoft.com/office/drawing/2014/main" id="{7CF6C1BC-3F77-4B80-BB49-23C5FB5ABDCC}"/>
               </a:ext>
             </a:extLst>
           </p:cNvPr>
@@ -4021,7 +4043,7 @@
         </p:blipFill>
         <p:spPr>
           <a:xfrm>
-            <a:off x="8778671" y="2458837"/>
+            <a:off x="6754610" y="933227"/>
             <a:ext cx="288000" cy="288000"/>
           </a:xfrm>
           <a:prstGeom prst="rect">
@@ -4031,10 +4053,10 @@
       </p:pic>
       <p:pic>
         <p:nvPicPr>
-          <p:cNvPr id="10" name="Graphic 9" descr="Checkmark">
+          <p:cNvPr id="41" name="Graphic 40" descr="Checkmark">
             <a:extLst>
               <a:ext uri="{FF2B5EF4-FFF2-40B4-BE49-F238E27FC236}">
-                <a16:creationId xmlns:a16="http://schemas.microsoft.com/office/drawing/2014/main" id="{6B4B75AE-41D3-4708-93AC-4D2853745E7F}"/>
+                <a16:creationId xmlns:a16="http://schemas.microsoft.com/office/drawing/2014/main" id="{F2671EF0-C17C-4073-9050-39E8EA9799D7}"/>
               </a:ext>
             </a:extLst>
           </p:cNvPr>
@@ -4060,7 +4082,7 @@
         </p:blipFill>
         <p:spPr>
           <a:xfrm>
-            <a:off x="8778669" y="3207079"/>
+            <a:off x="6754608" y="1508334"/>
             <a:ext cx="288000" cy="288000"/>
           </a:xfrm>
           <a:prstGeom prst="rect">
@@ -4070,10 +4092,10 @@
       </p:pic>
       <p:pic>
         <p:nvPicPr>
-          <p:cNvPr id="11" name="Graphic 10" descr="Checkmark">
+          <p:cNvPr id="42" name="Graphic 41" descr="Checkmark">
             <a:extLst>
               <a:ext uri="{FF2B5EF4-FFF2-40B4-BE49-F238E27FC236}">
-                <a16:creationId xmlns:a16="http://schemas.microsoft.com/office/drawing/2014/main" id="{998C7B95-B48A-4947-BF87-609FBF62AC30}"/>
+                <a16:creationId xmlns:a16="http://schemas.microsoft.com/office/drawing/2014/main" id="{5C847997-63C4-4F28-BC2D-B5DC929CD935}"/>
               </a:ext>
             </a:extLst>
           </p:cNvPr>
@@ -4099,7 +4121,7 @@
         </p:blipFill>
         <p:spPr>
           <a:xfrm>
-            <a:off x="8778668" y="3564797"/>
+            <a:off x="6754606" y="1919032"/>
             <a:ext cx="288000" cy="288000"/>
           </a:xfrm>
           <a:prstGeom prst="rect">
@@ -4109,10 +4131,10 @@
       </p:pic>
       <p:pic>
         <p:nvPicPr>
-          <p:cNvPr id="12" name="Graphic 11" descr="Checkmark">
+          <p:cNvPr id="43" name="Graphic 42" descr="Checkmark">
             <a:extLst>
               <a:ext uri="{FF2B5EF4-FFF2-40B4-BE49-F238E27FC236}">
-                <a16:creationId xmlns:a16="http://schemas.microsoft.com/office/drawing/2014/main" id="{50A1501A-0C1E-4193-8B87-BD68AECC593F}"/>
+                <a16:creationId xmlns:a16="http://schemas.microsoft.com/office/drawing/2014/main" id="{40057977-1379-49D4-9485-2C57E418C107}"/>
               </a:ext>
             </a:extLst>
           </p:cNvPr>
@@ -4138,7 +4160,7 @@
         </p:blipFill>
         <p:spPr>
           <a:xfrm>
-            <a:off x="8778667" y="4114071"/>
+            <a:off x="6754606" y="2348037"/>
             <a:ext cx="288000" cy="288000"/>
           </a:xfrm>
           <a:prstGeom prst="rect">
@@ -4148,10 +4170,10 @@
       </p:pic>
       <p:pic>
         <p:nvPicPr>
-          <p:cNvPr id="13" name="Graphic 12" descr="Checkmark">
+          <p:cNvPr id="44" name="Graphic 43" descr="Checkmark">
             <a:extLst>
               <a:ext uri="{FF2B5EF4-FFF2-40B4-BE49-F238E27FC236}">
-                <a16:creationId xmlns:a16="http://schemas.microsoft.com/office/drawing/2014/main" id="{9CC0C39D-3828-4335-87AC-F06B8E06F7B8}"/>
+                <a16:creationId xmlns:a16="http://schemas.microsoft.com/office/drawing/2014/main" id="{A995686B-37BF-47A8-A4CA-5B15803B8345}"/>
               </a:ext>
             </a:extLst>
           </p:cNvPr>
@@ -4177,7 +4199,7 @@
         </p:blipFill>
         <p:spPr>
           <a:xfrm>
-            <a:off x="9597822" y="1290966"/>
+            <a:off x="7573761" y="342694"/>
             <a:ext cx="288000" cy="288000"/>
           </a:xfrm>
           <a:prstGeom prst="rect">
@@ -4187,10 +4209,10 @@
       </p:pic>
       <p:pic>
         <p:nvPicPr>
-          <p:cNvPr id="14" name="Graphic 13" descr="Checkmark">
+          <p:cNvPr id="45" name="Graphic 44" descr="Checkmark">
             <a:extLst>
               <a:ext uri="{FF2B5EF4-FFF2-40B4-BE49-F238E27FC236}">
-                <a16:creationId xmlns:a16="http://schemas.microsoft.com/office/drawing/2014/main" id="{99599FF7-DD9E-4C45-B6D0-6624933DBEC8}"/>
+                <a16:creationId xmlns:a16="http://schemas.microsoft.com/office/drawing/2014/main" id="{7281327F-CA7D-47C0-82B4-67C4E707EDC4}"/>
               </a:ext>
             </a:extLst>
           </p:cNvPr>
@@ -4216,7 +4238,7 @@
         </p:blipFill>
         <p:spPr>
           <a:xfrm>
-            <a:off x="9597821" y="2457249"/>
+            <a:off x="7573760" y="931639"/>
             <a:ext cx="288000" cy="288000"/>
           </a:xfrm>
           <a:prstGeom prst="rect">
@@ -4226,10 +4248,10 @@
       </p:pic>
       <p:pic>
         <p:nvPicPr>
-          <p:cNvPr id="16" name="Graphic 15" descr="Close">
+          <p:cNvPr id="46" name="Graphic 45" descr="Close">
             <a:extLst>
               <a:ext uri="{FF2B5EF4-FFF2-40B4-BE49-F238E27FC236}">
-                <a16:creationId xmlns:a16="http://schemas.microsoft.com/office/drawing/2014/main" id="{7B30BCF8-6F6D-4508-90B6-B7159172B46D}"/>
+                <a16:creationId xmlns:a16="http://schemas.microsoft.com/office/drawing/2014/main" id="{E084266C-FB43-4862-BB34-98D670C447DC}"/>
               </a:ext>
             </a:extLst>
           </p:cNvPr>
@@ -4255,7 +4277,7 @@
         </p:blipFill>
         <p:spPr>
           <a:xfrm>
-            <a:off x="9601199" y="3243790"/>
+            <a:off x="7577138" y="1545045"/>
             <a:ext cx="288000" cy="288000"/>
           </a:xfrm>
           <a:prstGeom prst="rect">
@@ -4265,10 +4287,10 @@
       </p:pic>
       <p:pic>
         <p:nvPicPr>
-          <p:cNvPr id="17" name="Graphic 16" descr="Close">
+          <p:cNvPr id="47" name="Graphic 46" descr="Close">
             <a:extLst>
               <a:ext uri="{FF2B5EF4-FFF2-40B4-BE49-F238E27FC236}">
-                <a16:creationId xmlns:a16="http://schemas.microsoft.com/office/drawing/2014/main" id="{0FE5391D-5BC9-4CE6-885F-87045BCE6E6F}"/>
+                <a16:creationId xmlns:a16="http://schemas.microsoft.com/office/drawing/2014/main" id="{15A294BF-1508-4B00-9DF4-6F37041D00B8}"/>
               </a:ext>
             </a:extLst>
           </p:cNvPr>
@@ -4294,7 +4316,7 @@
         </p:blipFill>
         <p:spPr>
           <a:xfrm>
-            <a:off x="9601199" y="3617777"/>
+            <a:off x="7577138" y="1919032"/>
             <a:ext cx="288000" cy="288000"/>
           </a:xfrm>
           <a:prstGeom prst="rect">
@@ -4304,10 +4326,10 @@
       </p:pic>
       <p:pic>
         <p:nvPicPr>
-          <p:cNvPr id="18" name="Graphic 17" descr="Close">
+          <p:cNvPr id="48" name="Graphic 47" descr="Close">
             <a:extLst>
               <a:ext uri="{FF2B5EF4-FFF2-40B4-BE49-F238E27FC236}">
-                <a16:creationId xmlns:a16="http://schemas.microsoft.com/office/drawing/2014/main" id="{3D888D80-4EB0-4864-835E-79097F6D9C18}"/>
+                <a16:creationId xmlns:a16="http://schemas.microsoft.com/office/drawing/2014/main" id="{A8B2A638-D80A-4166-A012-A9C23481E397}"/>
               </a:ext>
             </a:extLst>
           </p:cNvPr>
@@ -4333,7 +4355,7 @@
         </p:blipFill>
         <p:spPr>
           <a:xfrm>
-            <a:off x="9601199" y="4102296"/>
+            <a:off x="7577138" y="2348037"/>
             <a:ext cx="288000" cy="288000"/>
           </a:xfrm>
           <a:prstGeom prst="rect">
@@ -4343,10 +4365,10 @@
       </p:pic>
       <p:sp>
         <p:nvSpPr>
-          <p:cNvPr id="19" name="TextBox 18">
+          <p:cNvPr id="49" name="TextBox 48">
             <a:extLst>
               <a:ext uri="{FF2B5EF4-FFF2-40B4-BE49-F238E27FC236}">
-                <a16:creationId xmlns:a16="http://schemas.microsoft.com/office/drawing/2014/main" id="{BC119F6C-8741-48BD-9A1C-FAB31C488C9A}"/>
+                <a16:creationId xmlns:a16="http://schemas.microsoft.com/office/drawing/2014/main" id="{A841EC61-0391-4627-87F3-1D9A8D11F5EC}"/>
               </a:ext>
             </a:extLst>
           </p:cNvPr>
@@ -4355,7 +4377,7 @@
         </p:nvSpPr>
         <p:spPr>
           <a:xfrm>
-            <a:off x="9765900" y="3162458"/>
+            <a:off x="7741839" y="1463713"/>
             <a:ext cx="300082" cy="369332"/>
           </a:xfrm>
           <a:prstGeom prst="rect">
@@ -4378,10 +4400,10 @@
       </p:sp>
       <p:sp>
         <p:nvSpPr>
-          <p:cNvPr id="20" name="TextBox 19">
+          <p:cNvPr id="50" name="TextBox 49">
             <a:extLst>
               <a:ext uri="{FF2B5EF4-FFF2-40B4-BE49-F238E27FC236}">
-                <a16:creationId xmlns:a16="http://schemas.microsoft.com/office/drawing/2014/main" id="{8FA59D20-F21A-4475-B1E5-53AB768CBD00}"/>
+                <a16:creationId xmlns:a16="http://schemas.microsoft.com/office/drawing/2014/main" id="{614BA790-8893-4062-9AA4-9D6DE8727404}"/>
               </a:ext>
             </a:extLst>
           </p:cNvPr>
@@ -4390,7 +4412,7 @@
         </p:nvSpPr>
         <p:spPr>
           <a:xfrm>
-            <a:off x="9765900" y="3536444"/>
+            <a:off x="7741839" y="1837699"/>
             <a:ext cx="300082" cy="369332"/>
           </a:xfrm>
           <a:prstGeom prst="rect">
@@ -4413,10 +4435,10 @@
       </p:sp>
       <p:sp>
         <p:nvSpPr>
-          <p:cNvPr id="21" name="TextBox 20">
+          <p:cNvPr id="51" name="TextBox 50">
             <a:extLst>
               <a:ext uri="{FF2B5EF4-FFF2-40B4-BE49-F238E27FC236}">
-                <a16:creationId xmlns:a16="http://schemas.microsoft.com/office/drawing/2014/main" id="{D4C37838-4DDE-4EF2-B3BD-F1AABD2BD275}"/>
+                <a16:creationId xmlns:a16="http://schemas.microsoft.com/office/drawing/2014/main" id="{F0FF1289-3998-4B8E-ADAA-DF337675B120}"/>
               </a:ext>
             </a:extLst>
           </p:cNvPr>
@@ -4425,7 +4447,7 @@
         </p:nvSpPr>
         <p:spPr>
           <a:xfrm>
-            <a:off x="9765900" y="3974474"/>
+            <a:off x="7741839" y="2220215"/>
             <a:ext cx="300082" cy="369332"/>
           </a:xfrm>
           <a:prstGeom prst="rect">
@@ -4448,10 +4470,10 @@
       </p:sp>
       <p:sp>
         <p:nvSpPr>
-          <p:cNvPr id="22" name="TextBox 21">
+          <p:cNvPr id="52" name="TextBox 51">
             <a:extLst>
               <a:ext uri="{FF2B5EF4-FFF2-40B4-BE49-F238E27FC236}">
-                <a16:creationId xmlns:a16="http://schemas.microsoft.com/office/drawing/2014/main" id="{74243601-39B8-475D-9FDE-B2C00E1C11DD}"/>
+                <a16:creationId xmlns:a16="http://schemas.microsoft.com/office/drawing/2014/main" id="{61209CCB-DEB2-48BA-AF10-2CC17D77DFFC}"/>
               </a:ext>
             </a:extLst>
           </p:cNvPr>
@@ -4460,7 +4482,7 @@
         </p:nvSpPr>
         <p:spPr>
           <a:xfrm>
-            <a:off x="2032000" y="4694492"/>
+            <a:off x="0" y="3092166"/>
             <a:ext cx="8127999" cy="1754326"/>
           </a:xfrm>
           <a:prstGeom prst="rect">
@@ -4554,7 +4576,7 @@
           <a:p>
             <a:r>
               <a:rPr lang="en-GB" sz="1200" i="1" dirty="0"/>
-              <a:t>*Forecasters at OMSZ did not need this information as they have a longer experience working with probabilistic forecasts than forecasters at IMN where a deterministic approach is still dominant.</a:t>
+              <a:t>*Forecasters at OMSZ did not need this information as they have a longer experience working with probabilistic forecasts than forecasters at IMN, where a deterministic approach is still more dominant.</a:t>
             </a:r>
           </a:p>
         </p:txBody>
@@ -4575,7 +4597,7 @@
 <file path=ppt/theme/theme1.xml><?xml version="1.0" encoding="utf-8"?>
 <a:theme xmlns:a="http://schemas.openxmlformats.org/drawingml/2006/main" name="Office Theme">
   <a:themeElements>
-    <a:clrScheme name="Office">
+    <a:clrScheme name="Office Theme">
       <a:dk1>
         <a:sysClr val="windowText" lastClr="000000"/>
       </a:dk1>
@@ -4613,7 +4635,7 @@
         <a:srgbClr val="954F72"/>
       </a:folHlink>
     </a:clrScheme>
-    <a:fontScheme name="Office">
+    <a:fontScheme name="Office Theme">
       <a:majorFont>
         <a:latin typeface="Calibri Light" panose="020F0302020204030204"/>
         <a:ea typeface=""/>
@@ -4648,23 +4670,6 @@
         <a:font script="Viet" typeface="Times New Roman"/>
         <a:font script="Uigh" typeface="Microsoft Uighur"/>
         <a:font script="Geor" typeface="Sylfaen"/>
-        <a:font script="Armn" typeface="Arial"/>
-        <a:font script="Bugi" typeface="Leelawadee UI"/>
-        <a:font script="Bopo" typeface="Microsoft JhengHei"/>
-        <a:font script="Java" typeface="Javanese Text"/>
-        <a:font script="Lisu" typeface="Segoe UI"/>
-        <a:font script="Mymr" typeface="Myanmar Text"/>
-        <a:font script="Nkoo" typeface="Ebrima"/>
-        <a:font script="Olck" typeface="Nirmala UI"/>
-        <a:font script="Osma" typeface="Ebrima"/>
-        <a:font script="Phag" typeface="Phagspa"/>
-        <a:font script="Syrn" typeface="Estrangelo Edessa"/>
-        <a:font script="Syrj" typeface="Estrangelo Edessa"/>
-        <a:font script="Syre" typeface="Estrangelo Edessa"/>
-        <a:font script="Sora" typeface="Nirmala UI"/>
-        <a:font script="Tale" typeface="Microsoft Tai Le"/>
-        <a:font script="Talu" typeface="Microsoft New Tai Lue"/>
-        <a:font script="Tfng" typeface="Ebrima"/>
       </a:majorFont>
       <a:minorFont>
         <a:latin typeface="Calibri" panose="020F0502020204030204"/>
@@ -4700,26 +4705,9 @@
         <a:font script="Viet" typeface="Arial"/>
         <a:font script="Uigh" typeface="Microsoft Uighur"/>
         <a:font script="Geor" typeface="Sylfaen"/>
-        <a:font script="Armn" typeface="Arial"/>
-        <a:font script="Bugi" typeface="Leelawadee UI"/>
-        <a:font script="Bopo" typeface="Microsoft JhengHei"/>
-        <a:font script="Java" typeface="Javanese Text"/>
-        <a:font script="Lisu" typeface="Segoe UI"/>
-        <a:font script="Mymr" typeface="Myanmar Text"/>
-        <a:font script="Nkoo" typeface="Ebrima"/>
-        <a:font script="Olck" typeface="Nirmala UI"/>
-        <a:font script="Osma" typeface="Ebrima"/>
-        <a:font script="Phag" typeface="Phagspa"/>
-        <a:font script="Syrn" typeface="Estrangelo Edessa"/>
-        <a:font script="Syrj" typeface="Estrangelo Edessa"/>
-        <a:font script="Syre" typeface="Estrangelo Edessa"/>
-        <a:font script="Sora" typeface="Nirmala UI"/>
-        <a:font script="Tale" typeface="Microsoft Tai Le"/>
-        <a:font script="Talu" typeface="Microsoft New Tai Lue"/>
-        <a:font script="Tfng" typeface="Ebrima"/>
       </a:minorFont>
     </a:fontScheme>
-    <a:fmtScheme name="Office">
+    <a:fmtScheme name="Office Theme">
       <a:fillStyleLst>
         <a:solidFill>
           <a:schemeClr val="phClr"/>
